--- a/Faktoranalyse.pptx
+++ b/Faktoranalyse.pptx
@@ -12,6 +12,10 @@
     <p:sldId id="260" r:id="rId6"/>
     <p:sldId id="261" r:id="rId7"/>
     <p:sldId id="262" r:id="rId8"/>
+    <p:sldId id="263" r:id="rId9"/>
+    <p:sldId id="265" r:id="rId10"/>
+    <p:sldId id="266" r:id="rId11"/>
+    <p:sldId id="264" r:id="rId12"/>
   </p:sldIdLst>
   <p:sldSz cx="12192000" cy="6858000"/>
   <p:notesSz cx="6858000" cy="9144000"/>
@@ -121,7 +125,7 @@
 <file path=ppt/revisionInfo.xml><?xml version="1.0" encoding="utf-8"?>
 <p1510:revInfo xmlns:a="http://schemas.openxmlformats.org/drawingml/2006/main" xmlns:r="http://schemas.openxmlformats.org/officeDocument/2006/relationships" xmlns:p1510="http://schemas.microsoft.com/office/powerpoint/2015/10/main">
   <p1510:revLst>
-    <p1510:client id="{980E5FA9-AF2A-41EC-8493-7562D302F544}" v="69" dt="2022-05-07T10:32:26.327"/>
+    <p1510:client id="{1DDCB665-B9A4-4DAF-BF76-FB6E5B3D936B}" v="25" dt="2022-05-23T18:29:08.469"/>
   </p1510:revLst>
 </p1510:revInfo>
 </file>
@@ -1274,6 +1278,459 @@
       </pc:sldChg>
     </pc:docChg>
   </pc:docChgLst>
+  <pc:docChgLst>
+    <pc:chgData name="Nils Kvilvang" userId="cd2cc529-e0ce-4a3b-b903-2f2c3e925162" providerId="ADAL" clId="{1DDCB665-B9A4-4DAF-BF76-FB6E5B3D936B}"/>
+    <pc:docChg chg="undo custSel addSld modSld sldOrd">
+      <pc:chgData name="Nils Kvilvang" userId="cd2cc529-e0ce-4a3b-b903-2f2c3e925162" providerId="ADAL" clId="{1DDCB665-B9A4-4DAF-BF76-FB6E5B3D936B}" dt="2022-05-23T18:29:10.617" v="404" actId="20577"/>
+      <pc:docMkLst>
+        <pc:docMk/>
+      </pc:docMkLst>
+      <pc:sldChg chg="addSp modSp new mod">
+        <pc:chgData name="Nils Kvilvang" userId="cd2cc529-e0ce-4a3b-b903-2f2c3e925162" providerId="ADAL" clId="{1DDCB665-B9A4-4DAF-BF76-FB6E5B3D936B}" dt="2022-05-17T19:50:00.317" v="109" actId="1035"/>
+        <pc:sldMkLst>
+          <pc:docMk/>
+          <pc:sldMk cId="3472280371" sldId="263"/>
+        </pc:sldMkLst>
+        <pc:spChg chg="add mod">
+          <ac:chgData name="Nils Kvilvang" userId="cd2cc529-e0ce-4a3b-b903-2f2c3e925162" providerId="ADAL" clId="{1DDCB665-B9A4-4DAF-BF76-FB6E5B3D936B}" dt="2022-05-17T19:47:28.084" v="12" actId="14100"/>
+          <ac:spMkLst>
+            <pc:docMk/>
+            <pc:sldMk cId="3472280371" sldId="263"/>
+            <ac:spMk id="2" creationId="{40C98EE0-2C61-5C88-AC5B-A7AD58BE40A3}"/>
+          </ac:spMkLst>
+        </pc:spChg>
+        <pc:spChg chg="add mod">
+          <ac:chgData name="Nils Kvilvang" userId="cd2cc529-e0ce-4a3b-b903-2f2c3e925162" providerId="ADAL" clId="{1DDCB665-B9A4-4DAF-BF76-FB6E5B3D936B}" dt="2022-05-17T19:47:58.430" v="20" actId="207"/>
+          <ac:spMkLst>
+            <pc:docMk/>
+            <pc:sldMk cId="3472280371" sldId="263"/>
+            <ac:spMk id="3" creationId="{420F3FDF-A530-F60A-B037-C95970F2A4CC}"/>
+          </ac:spMkLst>
+        </pc:spChg>
+        <pc:spChg chg="add mod">
+          <ac:chgData name="Nils Kvilvang" userId="cd2cc529-e0ce-4a3b-b903-2f2c3e925162" providerId="ADAL" clId="{1DDCB665-B9A4-4DAF-BF76-FB6E5B3D936B}" dt="2022-05-17T19:48:17.991" v="29" actId="1076"/>
+          <ac:spMkLst>
+            <pc:docMk/>
+            <pc:sldMk cId="3472280371" sldId="263"/>
+            <ac:spMk id="4" creationId="{139804F7-0B5B-C5FD-FFA2-880E752B3803}"/>
+          </ac:spMkLst>
+        </pc:spChg>
+        <pc:spChg chg="add mod">
+          <ac:chgData name="Nils Kvilvang" userId="cd2cc529-e0ce-4a3b-b903-2f2c3e925162" providerId="ADAL" clId="{1DDCB665-B9A4-4DAF-BF76-FB6E5B3D936B}" dt="2022-05-17T19:48:12.638" v="28" actId="20577"/>
+          <ac:spMkLst>
+            <pc:docMk/>
+            <pc:sldMk cId="3472280371" sldId="263"/>
+            <ac:spMk id="5" creationId="{6F5A0368-BF76-8116-F851-D282F906A9D6}"/>
+          </ac:spMkLst>
+        </pc:spChg>
+        <pc:spChg chg="add mod">
+          <ac:chgData name="Nils Kvilvang" userId="cd2cc529-e0ce-4a3b-b903-2f2c3e925162" providerId="ADAL" clId="{1DDCB665-B9A4-4DAF-BF76-FB6E5B3D936B}" dt="2022-05-17T19:50:00.317" v="109" actId="1035"/>
+          <ac:spMkLst>
+            <pc:docMk/>
+            <pc:sldMk cId="3472280371" sldId="263"/>
+            <ac:spMk id="12" creationId="{428860ED-C1E5-2065-163C-F73C9F92B9A4}"/>
+          </ac:spMkLst>
+        </pc:spChg>
+        <pc:spChg chg="add mod">
+          <ac:chgData name="Nils Kvilvang" userId="cd2cc529-e0ce-4a3b-b903-2f2c3e925162" providerId="ADAL" clId="{1DDCB665-B9A4-4DAF-BF76-FB6E5B3D936B}" dt="2022-05-17T19:50:00.317" v="109" actId="1035"/>
+          <ac:spMkLst>
+            <pc:docMk/>
+            <pc:sldMk cId="3472280371" sldId="263"/>
+            <ac:spMk id="13" creationId="{9D32A88B-2F71-9ECE-1034-98BDE6B34072}"/>
+          </ac:spMkLst>
+        </pc:spChg>
+        <pc:cxnChg chg="add">
+          <ac:chgData name="Nils Kvilvang" userId="cd2cc529-e0ce-4a3b-b903-2f2c3e925162" providerId="ADAL" clId="{1DDCB665-B9A4-4DAF-BF76-FB6E5B3D936B}" dt="2022-05-17T19:48:24.974" v="30" actId="11529"/>
+          <ac:cxnSpMkLst>
+            <pc:docMk/>
+            <pc:sldMk cId="3472280371" sldId="263"/>
+            <ac:cxnSpMk id="7" creationId="{8A1A01D1-4AC5-9378-2395-8A43B83199B4}"/>
+          </ac:cxnSpMkLst>
+        </pc:cxnChg>
+        <pc:cxnChg chg="add">
+          <ac:chgData name="Nils Kvilvang" userId="cd2cc529-e0ce-4a3b-b903-2f2c3e925162" providerId="ADAL" clId="{1DDCB665-B9A4-4DAF-BF76-FB6E5B3D936B}" dt="2022-05-17T19:48:31.075" v="31" actId="11529"/>
+          <ac:cxnSpMkLst>
+            <pc:docMk/>
+            <pc:sldMk cId="3472280371" sldId="263"/>
+            <ac:cxnSpMk id="9" creationId="{6EFD7BCC-DD6A-65FF-E638-4B546872E5F8}"/>
+          </ac:cxnSpMkLst>
+        </pc:cxnChg>
+        <pc:cxnChg chg="add">
+          <ac:chgData name="Nils Kvilvang" userId="cd2cc529-e0ce-4a3b-b903-2f2c3e925162" providerId="ADAL" clId="{1DDCB665-B9A4-4DAF-BF76-FB6E5B3D936B}" dt="2022-05-17T19:48:34.575" v="32" actId="11529"/>
+          <ac:cxnSpMkLst>
+            <pc:docMk/>
+            <pc:sldMk cId="3472280371" sldId="263"/>
+            <ac:cxnSpMk id="11" creationId="{52AD6FD4-EF1C-8EEE-1343-A49552F16FC1}"/>
+          </ac:cxnSpMkLst>
+        </pc:cxnChg>
+        <pc:cxnChg chg="add">
+          <ac:chgData name="Nils Kvilvang" userId="cd2cc529-e0ce-4a3b-b903-2f2c3e925162" providerId="ADAL" clId="{1DDCB665-B9A4-4DAF-BF76-FB6E5B3D936B}" dt="2022-05-17T19:49:33.840" v="73" actId="11529"/>
+          <ac:cxnSpMkLst>
+            <pc:docMk/>
+            <pc:sldMk cId="3472280371" sldId="263"/>
+            <ac:cxnSpMk id="15" creationId="{C80B020F-769F-F597-66F8-5E49C7618CC7}"/>
+          </ac:cxnSpMkLst>
+        </pc:cxnChg>
+        <pc:cxnChg chg="add mod">
+          <ac:chgData name="Nils Kvilvang" userId="cd2cc529-e0ce-4a3b-b903-2f2c3e925162" providerId="ADAL" clId="{1DDCB665-B9A4-4DAF-BF76-FB6E5B3D936B}" dt="2022-05-17T19:49:40.831" v="75" actId="1076"/>
+          <ac:cxnSpMkLst>
+            <pc:docMk/>
+            <pc:sldMk cId="3472280371" sldId="263"/>
+            <ac:cxnSpMk id="16" creationId="{89E51889-32E8-4B5A-074D-09D95057704E}"/>
+          </ac:cxnSpMkLst>
+        </pc:cxnChg>
+        <pc:cxnChg chg="add mod">
+          <ac:chgData name="Nils Kvilvang" userId="cd2cc529-e0ce-4a3b-b903-2f2c3e925162" providerId="ADAL" clId="{1DDCB665-B9A4-4DAF-BF76-FB6E5B3D936B}" dt="2022-05-17T19:49:45.488" v="77" actId="1076"/>
+          <ac:cxnSpMkLst>
+            <pc:docMk/>
+            <pc:sldMk cId="3472280371" sldId="263"/>
+            <ac:cxnSpMk id="17" creationId="{461C8C46-6309-49C4-11A6-E01EE468C477}"/>
+          </ac:cxnSpMkLst>
+        </pc:cxnChg>
+      </pc:sldChg>
+      <pc:sldChg chg="addSp delSp modSp new mod ord">
+        <pc:chgData name="Nils Kvilvang" userId="cd2cc529-e0ce-4a3b-b903-2f2c3e925162" providerId="ADAL" clId="{1DDCB665-B9A4-4DAF-BF76-FB6E5B3D936B}" dt="2022-05-23T17:47:21.854" v="393"/>
+        <pc:sldMkLst>
+          <pc:docMk/>
+          <pc:sldMk cId="3627829201" sldId="264"/>
+        </pc:sldMkLst>
+        <pc:spChg chg="add mod">
+          <ac:chgData name="Nils Kvilvang" userId="cd2cc529-e0ce-4a3b-b903-2f2c3e925162" providerId="ADAL" clId="{1DDCB665-B9A4-4DAF-BF76-FB6E5B3D936B}" dt="2022-05-23T17:38:52.357" v="241" actId="14100"/>
+          <ac:spMkLst>
+            <pc:docMk/>
+            <pc:sldMk cId="3627829201" sldId="264"/>
+            <ac:spMk id="2" creationId="{205E5C73-FB16-7912-8451-8097D644E77C}"/>
+          </ac:spMkLst>
+        </pc:spChg>
+        <pc:spChg chg="add mod">
+          <ac:chgData name="Nils Kvilvang" userId="cd2cc529-e0ce-4a3b-b903-2f2c3e925162" providerId="ADAL" clId="{1DDCB665-B9A4-4DAF-BF76-FB6E5B3D936B}" dt="2022-05-23T17:38:54.134" v="242" actId="14100"/>
+          <ac:spMkLst>
+            <pc:docMk/>
+            <pc:sldMk cId="3627829201" sldId="264"/>
+            <ac:spMk id="3" creationId="{154F866F-F79A-B12A-C3E3-19443884B77F}"/>
+          </ac:spMkLst>
+        </pc:spChg>
+        <pc:spChg chg="add mod">
+          <ac:chgData name="Nils Kvilvang" userId="cd2cc529-e0ce-4a3b-b903-2f2c3e925162" providerId="ADAL" clId="{1DDCB665-B9A4-4DAF-BF76-FB6E5B3D936B}" dt="2022-05-23T17:35:20.202" v="148" actId="207"/>
+          <ac:spMkLst>
+            <pc:docMk/>
+            <pc:sldMk cId="3627829201" sldId="264"/>
+            <ac:spMk id="4" creationId="{360AA8EA-40EB-546E-0817-FF9C95161C79}"/>
+          </ac:spMkLst>
+        </pc:spChg>
+        <pc:spChg chg="add mod">
+          <ac:chgData name="Nils Kvilvang" userId="cd2cc529-e0ce-4a3b-b903-2f2c3e925162" providerId="ADAL" clId="{1DDCB665-B9A4-4DAF-BF76-FB6E5B3D936B}" dt="2022-05-23T17:35:49.324" v="157" actId="1076"/>
+          <ac:spMkLst>
+            <pc:docMk/>
+            <pc:sldMk cId="3627829201" sldId="264"/>
+            <ac:spMk id="8" creationId="{4BDD51A8-4089-8E32-875B-C29358827791}"/>
+          </ac:spMkLst>
+        </pc:spChg>
+        <pc:spChg chg="add mod">
+          <ac:chgData name="Nils Kvilvang" userId="cd2cc529-e0ce-4a3b-b903-2f2c3e925162" providerId="ADAL" clId="{1DDCB665-B9A4-4DAF-BF76-FB6E5B3D936B}" dt="2022-05-23T17:35:55.030" v="161" actId="20577"/>
+          <ac:spMkLst>
+            <pc:docMk/>
+            <pc:sldMk cId="3627829201" sldId="264"/>
+            <ac:spMk id="9" creationId="{94F4E8AC-206C-1323-4C45-2F3D5901AB46}"/>
+          </ac:spMkLst>
+        </pc:spChg>
+        <pc:spChg chg="add mod">
+          <ac:chgData name="Nils Kvilvang" userId="cd2cc529-e0ce-4a3b-b903-2f2c3e925162" providerId="ADAL" clId="{1DDCB665-B9A4-4DAF-BF76-FB6E5B3D936B}" dt="2022-05-23T17:42:44.745" v="333" actId="1038"/>
+          <ac:spMkLst>
+            <pc:docMk/>
+            <pc:sldMk cId="3627829201" sldId="264"/>
+            <ac:spMk id="10" creationId="{D34FB0CC-1168-3C27-BF9B-CE246EAD0B15}"/>
+          </ac:spMkLst>
+        </pc:spChg>
+        <pc:spChg chg="add mod">
+          <ac:chgData name="Nils Kvilvang" userId="cd2cc529-e0ce-4a3b-b903-2f2c3e925162" providerId="ADAL" clId="{1DDCB665-B9A4-4DAF-BF76-FB6E5B3D936B}" dt="2022-05-23T17:42:44.745" v="333" actId="1038"/>
+          <ac:spMkLst>
+            <pc:docMk/>
+            <pc:sldMk cId="3627829201" sldId="264"/>
+            <ac:spMk id="11" creationId="{C6D4A49C-42A6-BCE2-A21D-EB7009C72B9A}"/>
+          </ac:spMkLst>
+        </pc:spChg>
+        <pc:spChg chg="add mod">
+          <ac:chgData name="Nils Kvilvang" userId="cd2cc529-e0ce-4a3b-b903-2f2c3e925162" providerId="ADAL" clId="{1DDCB665-B9A4-4DAF-BF76-FB6E5B3D936B}" dt="2022-05-23T17:42:44.745" v="333" actId="1038"/>
+          <ac:spMkLst>
+            <pc:docMk/>
+            <pc:sldMk cId="3627829201" sldId="264"/>
+            <ac:spMk id="12" creationId="{354FB7C8-9BBC-93E5-A54C-1524261C454A}"/>
+          </ac:spMkLst>
+        </pc:spChg>
+        <pc:spChg chg="add mod">
+          <ac:chgData name="Nils Kvilvang" userId="cd2cc529-e0ce-4a3b-b903-2f2c3e925162" providerId="ADAL" clId="{1DDCB665-B9A4-4DAF-BF76-FB6E5B3D936B}" dt="2022-05-23T17:42:44.745" v="333" actId="1038"/>
+          <ac:spMkLst>
+            <pc:docMk/>
+            <pc:sldMk cId="3627829201" sldId="264"/>
+            <ac:spMk id="13" creationId="{3F65C256-F8E8-1FFB-5574-CC06A151AFFB}"/>
+          </ac:spMkLst>
+        </pc:spChg>
+        <pc:spChg chg="add mod">
+          <ac:chgData name="Nils Kvilvang" userId="cd2cc529-e0ce-4a3b-b903-2f2c3e925162" providerId="ADAL" clId="{1DDCB665-B9A4-4DAF-BF76-FB6E5B3D936B}" dt="2022-05-23T17:39:15.852" v="247" actId="14100"/>
+          <ac:spMkLst>
+            <pc:docMk/>
+            <pc:sldMk cId="3627829201" sldId="264"/>
+            <ac:spMk id="14" creationId="{F9B75BEE-9EFD-144E-CCC8-86A080C594CB}"/>
+          </ac:spMkLst>
+        </pc:spChg>
+        <pc:spChg chg="add mod">
+          <ac:chgData name="Nils Kvilvang" userId="cd2cc529-e0ce-4a3b-b903-2f2c3e925162" providerId="ADAL" clId="{1DDCB665-B9A4-4DAF-BF76-FB6E5B3D936B}" dt="2022-05-23T17:39:23.947" v="248" actId="1076"/>
+          <ac:spMkLst>
+            <pc:docMk/>
+            <pc:sldMk cId="3627829201" sldId="264"/>
+            <ac:spMk id="15" creationId="{F2A643C3-5437-40DE-C8EB-185AF3D3A900}"/>
+          </ac:spMkLst>
+        </pc:spChg>
+        <pc:spChg chg="add del mod">
+          <ac:chgData name="Nils Kvilvang" userId="cd2cc529-e0ce-4a3b-b903-2f2c3e925162" providerId="ADAL" clId="{1DDCB665-B9A4-4DAF-BF76-FB6E5B3D936B}" dt="2022-05-23T17:43:16.029" v="339" actId="478"/>
+          <ac:spMkLst>
+            <pc:docMk/>
+            <pc:sldMk cId="3627829201" sldId="264"/>
+            <ac:spMk id="16" creationId="{7A99C063-FD45-7F71-1712-6F8F4E328A45}"/>
+          </ac:spMkLst>
+        </pc:spChg>
+        <pc:spChg chg="add mod">
+          <ac:chgData name="Nils Kvilvang" userId="cd2cc529-e0ce-4a3b-b903-2f2c3e925162" providerId="ADAL" clId="{1DDCB665-B9A4-4DAF-BF76-FB6E5B3D936B}" dt="2022-05-23T17:42:44.745" v="333" actId="1038"/>
+          <ac:spMkLst>
+            <pc:docMk/>
+            <pc:sldMk cId="3627829201" sldId="264"/>
+            <ac:spMk id="17" creationId="{E723FD64-8963-D6A1-7D44-25A053343BBD}"/>
+          </ac:spMkLst>
+        </pc:spChg>
+        <pc:spChg chg="add mod">
+          <ac:chgData name="Nils Kvilvang" userId="cd2cc529-e0ce-4a3b-b903-2f2c3e925162" providerId="ADAL" clId="{1DDCB665-B9A4-4DAF-BF76-FB6E5B3D936B}" dt="2022-05-23T17:42:44.745" v="333" actId="1038"/>
+          <ac:spMkLst>
+            <pc:docMk/>
+            <pc:sldMk cId="3627829201" sldId="264"/>
+            <ac:spMk id="18" creationId="{C7D42DFC-6CA3-9CAC-C55C-2EEA7438227B}"/>
+          </ac:spMkLst>
+        </pc:spChg>
+        <pc:spChg chg="add mod">
+          <ac:chgData name="Nils Kvilvang" userId="cd2cc529-e0ce-4a3b-b903-2f2c3e925162" providerId="ADAL" clId="{1DDCB665-B9A4-4DAF-BF76-FB6E5B3D936B}" dt="2022-05-23T17:43:01.419" v="337" actId="1076"/>
+          <ac:spMkLst>
+            <pc:docMk/>
+            <pc:sldMk cId="3627829201" sldId="264"/>
+            <ac:spMk id="24" creationId="{5B2EA20E-3F88-5C6D-397D-753506133640}"/>
+          </ac:spMkLst>
+        </pc:spChg>
+        <pc:spChg chg="add mod">
+          <ac:chgData name="Nils Kvilvang" userId="cd2cc529-e0ce-4a3b-b903-2f2c3e925162" providerId="ADAL" clId="{1DDCB665-B9A4-4DAF-BF76-FB6E5B3D936B}" dt="2022-05-23T17:46:22.738" v="383" actId="1076"/>
+          <ac:spMkLst>
+            <pc:docMk/>
+            <pc:sldMk cId="3627829201" sldId="264"/>
+            <ac:spMk id="25" creationId="{AB81C263-5D7C-ADA2-9800-DCD997F2F191}"/>
+          </ac:spMkLst>
+        </pc:spChg>
+        <pc:cxnChg chg="add mod">
+          <ac:chgData name="Nils Kvilvang" userId="cd2cc529-e0ce-4a3b-b903-2f2c3e925162" providerId="ADAL" clId="{1DDCB665-B9A4-4DAF-BF76-FB6E5B3D936B}" dt="2022-05-23T17:35:29.388" v="150" actId="692"/>
+          <ac:cxnSpMkLst>
+            <pc:docMk/>
+            <pc:sldMk cId="3627829201" sldId="264"/>
+            <ac:cxnSpMk id="6" creationId="{63A2F937-BD31-38C5-55B4-A3E9B3E9A72F}"/>
+          </ac:cxnSpMkLst>
+        </pc:cxnChg>
+        <pc:cxnChg chg="add mod">
+          <ac:chgData name="Nils Kvilvang" userId="cd2cc529-e0ce-4a3b-b903-2f2c3e925162" providerId="ADAL" clId="{1DDCB665-B9A4-4DAF-BF76-FB6E5B3D936B}" dt="2022-05-23T17:35:36.556" v="152" actId="1076"/>
+          <ac:cxnSpMkLst>
+            <pc:docMk/>
+            <pc:sldMk cId="3627829201" sldId="264"/>
+            <ac:cxnSpMk id="7" creationId="{6F92DC45-6A1E-C180-7A93-ED14DBD2AD65}"/>
+          </ac:cxnSpMkLst>
+        </pc:cxnChg>
+        <pc:cxnChg chg="add mod">
+          <ac:chgData name="Nils Kvilvang" userId="cd2cc529-e0ce-4a3b-b903-2f2c3e925162" providerId="ADAL" clId="{1DDCB665-B9A4-4DAF-BF76-FB6E5B3D936B}" dt="2022-05-23T17:42:44.745" v="333" actId="1038"/>
+          <ac:cxnSpMkLst>
+            <pc:docMk/>
+            <pc:sldMk cId="3627829201" sldId="264"/>
+            <ac:cxnSpMk id="20" creationId="{D2F855F0-6D24-975E-724E-703CB6EB27E9}"/>
+          </ac:cxnSpMkLst>
+        </pc:cxnChg>
+        <pc:cxnChg chg="add mod">
+          <ac:chgData name="Nils Kvilvang" userId="cd2cc529-e0ce-4a3b-b903-2f2c3e925162" providerId="ADAL" clId="{1DDCB665-B9A4-4DAF-BF76-FB6E5B3D936B}" dt="2022-05-23T17:42:44.745" v="333" actId="1038"/>
+          <ac:cxnSpMkLst>
+            <pc:docMk/>
+            <pc:sldMk cId="3627829201" sldId="264"/>
+            <ac:cxnSpMk id="23" creationId="{C8DFA147-A311-2674-45E7-3D2D0BFA982E}"/>
+          </ac:cxnSpMkLst>
+        </pc:cxnChg>
+      </pc:sldChg>
+      <pc:sldChg chg="addSp delSp modSp add mod">
+        <pc:chgData name="Nils Kvilvang" userId="cd2cc529-e0ce-4a3b-b903-2f2c3e925162" providerId="ADAL" clId="{1DDCB665-B9A4-4DAF-BF76-FB6E5B3D936B}" dt="2022-05-23T18:29:06.069" v="401" actId="1076"/>
+        <pc:sldMkLst>
+          <pc:docMk/>
+          <pc:sldMk cId="3535414818" sldId="265"/>
+        </pc:sldMkLst>
+        <pc:spChg chg="mod">
+          <ac:chgData name="Nils Kvilvang" userId="cd2cc529-e0ce-4a3b-b903-2f2c3e925162" providerId="ADAL" clId="{1DDCB665-B9A4-4DAF-BF76-FB6E5B3D936B}" dt="2022-05-23T17:43:36.534" v="349" actId="20577"/>
+          <ac:spMkLst>
+            <pc:docMk/>
+            <pc:sldMk cId="3535414818" sldId="265"/>
+            <ac:spMk id="13" creationId="{3F65C256-F8E8-1FFB-5574-CC06A151AFFB}"/>
+          </ac:spMkLst>
+        </pc:spChg>
+        <pc:spChg chg="del">
+          <ac:chgData name="Nils Kvilvang" userId="cd2cc529-e0ce-4a3b-b903-2f2c3e925162" providerId="ADAL" clId="{1DDCB665-B9A4-4DAF-BF76-FB6E5B3D936B}" dt="2022-05-23T17:43:32.239" v="341" actId="478"/>
+          <ac:spMkLst>
+            <pc:docMk/>
+            <pc:sldMk cId="3535414818" sldId="265"/>
+            <ac:spMk id="16" creationId="{7A99C063-FD45-7F71-1712-6F8F4E328A45}"/>
+          </ac:spMkLst>
+        </pc:spChg>
+        <pc:spChg chg="del">
+          <ac:chgData name="Nils Kvilvang" userId="cd2cc529-e0ce-4a3b-b903-2f2c3e925162" providerId="ADAL" clId="{1DDCB665-B9A4-4DAF-BF76-FB6E5B3D936B}" dt="2022-05-23T17:47:12.087" v="391" actId="478"/>
+          <ac:spMkLst>
+            <pc:docMk/>
+            <pc:sldMk cId="3535414818" sldId="265"/>
+            <ac:spMk id="18" creationId="{C7D42DFC-6CA3-9CAC-C55C-2EEA7438227B}"/>
+          </ac:spMkLst>
+        </pc:spChg>
+        <pc:spChg chg="add mod">
+          <ac:chgData name="Nils Kvilvang" userId="cd2cc529-e0ce-4a3b-b903-2f2c3e925162" providerId="ADAL" clId="{1DDCB665-B9A4-4DAF-BF76-FB6E5B3D936B}" dt="2022-05-23T17:46:38.435" v="384"/>
+          <ac:spMkLst>
+            <pc:docMk/>
+            <pc:sldMk cId="3535414818" sldId="265"/>
+            <ac:spMk id="32" creationId="{4861F255-D738-9216-6304-7F5F8A0B6C4A}"/>
+          </ac:spMkLst>
+        </pc:spChg>
+        <pc:spChg chg="add mod">
+          <ac:chgData name="Nils Kvilvang" userId="cd2cc529-e0ce-4a3b-b903-2f2c3e925162" providerId="ADAL" clId="{1DDCB665-B9A4-4DAF-BF76-FB6E5B3D936B}" dt="2022-05-23T18:29:06.069" v="401" actId="1076"/>
+          <ac:spMkLst>
+            <pc:docMk/>
+            <pc:sldMk cId="3535414818" sldId="265"/>
+            <ac:spMk id="33" creationId="{F8867842-835C-097C-253C-CF57DB4FAECB}"/>
+          </ac:spMkLst>
+        </pc:spChg>
+        <pc:cxnChg chg="add mod">
+          <ac:chgData name="Nils Kvilvang" userId="cd2cc529-e0ce-4a3b-b903-2f2c3e925162" providerId="ADAL" clId="{1DDCB665-B9A4-4DAF-BF76-FB6E5B3D936B}" dt="2022-05-23T17:44:25.432" v="357" actId="692"/>
+          <ac:cxnSpMkLst>
+            <pc:docMk/>
+            <pc:sldMk cId="3535414818" sldId="265"/>
+            <ac:cxnSpMk id="19" creationId="{B4557372-D6F1-3DBE-CBF3-4C19F7633EAE}"/>
+          </ac:cxnSpMkLst>
+        </pc:cxnChg>
+        <pc:cxnChg chg="del mod">
+          <ac:chgData name="Nils Kvilvang" userId="cd2cc529-e0ce-4a3b-b903-2f2c3e925162" providerId="ADAL" clId="{1DDCB665-B9A4-4DAF-BF76-FB6E5B3D936B}" dt="2022-05-23T17:47:10.330" v="390" actId="478"/>
+          <ac:cxnSpMkLst>
+            <pc:docMk/>
+            <pc:sldMk cId="3535414818" sldId="265"/>
+            <ac:cxnSpMk id="20" creationId="{D2F855F0-6D24-975E-724E-703CB6EB27E9}"/>
+          </ac:cxnSpMkLst>
+        </pc:cxnChg>
+        <pc:cxnChg chg="add mod">
+          <ac:chgData name="Nils Kvilvang" userId="cd2cc529-e0ce-4a3b-b903-2f2c3e925162" providerId="ADAL" clId="{1DDCB665-B9A4-4DAF-BF76-FB6E5B3D936B}" dt="2022-05-23T17:44:25.432" v="357" actId="692"/>
+          <ac:cxnSpMkLst>
+            <pc:docMk/>
+            <pc:sldMk cId="3535414818" sldId="265"/>
+            <ac:cxnSpMk id="22" creationId="{1EF7E0D1-5FC6-B79C-E208-01D0190805BC}"/>
+          </ac:cxnSpMkLst>
+        </pc:cxnChg>
+        <pc:cxnChg chg="del mod">
+          <ac:chgData name="Nils Kvilvang" userId="cd2cc529-e0ce-4a3b-b903-2f2c3e925162" providerId="ADAL" clId="{1DDCB665-B9A4-4DAF-BF76-FB6E5B3D936B}" dt="2022-05-23T17:47:08.030" v="389" actId="478"/>
+          <ac:cxnSpMkLst>
+            <pc:docMk/>
+            <pc:sldMk cId="3535414818" sldId="265"/>
+            <ac:cxnSpMk id="23" creationId="{C8DFA147-A311-2674-45E7-3D2D0BFA982E}"/>
+          </ac:cxnSpMkLst>
+        </pc:cxnChg>
+        <pc:cxnChg chg="add mod">
+          <ac:chgData name="Nils Kvilvang" userId="cd2cc529-e0ce-4a3b-b903-2f2c3e925162" providerId="ADAL" clId="{1DDCB665-B9A4-4DAF-BF76-FB6E5B3D936B}" dt="2022-05-23T17:44:25.432" v="357" actId="692"/>
+          <ac:cxnSpMkLst>
+            <pc:docMk/>
+            <pc:sldMk cId="3535414818" sldId="265"/>
+            <ac:cxnSpMk id="26" creationId="{384179D8-D2A9-A2A4-D573-0A1497AB1756}"/>
+          </ac:cxnSpMkLst>
+        </pc:cxnChg>
+        <pc:cxnChg chg="add mod">
+          <ac:chgData name="Nils Kvilvang" userId="cd2cc529-e0ce-4a3b-b903-2f2c3e925162" providerId="ADAL" clId="{1DDCB665-B9A4-4DAF-BF76-FB6E5B3D936B}" dt="2022-05-23T17:44:25.432" v="357" actId="692"/>
+          <ac:cxnSpMkLst>
+            <pc:docMk/>
+            <pc:sldMk cId="3535414818" sldId="265"/>
+            <ac:cxnSpMk id="28" creationId="{9F7A29FB-7F42-687C-DCD7-27899F3BA06E}"/>
+          </ac:cxnSpMkLst>
+        </pc:cxnChg>
+      </pc:sldChg>
+      <pc:sldChg chg="addSp delSp modSp add mod">
+        <pc:chgData name="Nils Kvilvang" userId="cd2cc529-e0ce-4a3b-b903-2f2c3e925162" providerId="ADAL" clId="{1DDCB665-B9A4-4DAF-BF76-FB6E5B3D936B}" dt="2022-05-23T18:29:10.617" v="404" actId="20577"/>
+        <pc:sldMkLst>
+          <pc:docMk/>
+          <pc:sldMk cId="1385341150" sldId="266"/>
+        </pc:sldMkLst>
+        <pc:spChg chg="mod">
+          <ac:chgData name="Nils Kvilvang" userId="cd2cc529-e0ce-4a3b-b903-2f2c3e925162" providerId="ADAL" clId="{1DDCB665-B9A4-4DAF-BF76-FB6E5B3D936B}" dt="2022-05-23T17:44:45.533" v="374" actId="20577"/>
+          <ac:spMkLst>
+            <pc:docMk/>
+            <pc:sldMk cId="1385341150" sldId="266"/>
+            <ac:spMk id="12" creationId="{354FB7C8-9BBC-93E5-A54C-1524261C454A}"/>
+          </ac:spMkLst>
+        </pc:spChg>
+        <pc:spChg chg="mod">
+          <ac:chgData name="Nils Kvilvang" userId="cd2cc529-e0ce-4a3b-b903-2f2c3e925162" providerId="ADAL" clId="{1DDCB665-B9A4-4DAF-BF76-FB6E5B3D936B}" dt="2022-05-23T17:44:41.358" v="366" actId="20577"/>
+          <ac:spMkLst>
+            <pc:docMk/>
+            <pc:sldMk cId="1385341150" sldId="266"/>
+            <ac:spMk id="13" creationId="{3F65C256-F8E8-1FFB-5574-CC06A151AFFB}"/>
+          </ac:spMkLst>
+        </pc:spChg>
+        <pc:spChg chg="del">
+          <ac:chgData name="Nils Kvilvang" userId="cd2cc529-e0ce-4a3b-b903-2f2c3e925162" providerId="ADAL" clId="{1DDCB665-B9A4-4DAF-BF76-FB6E5B3D936B}" dt="2022-05-23T17:47:02.999" v="387" actId="478"/>
+          <ac:spMkLst>
+            <pc:docMk/>
+            <pc:sldMk cId="1385341150" sldId="266"/>
+            <ac:spMk id="18" creationId="{C7D42DFC-6CA3-9CAC-C55C-2EEA7438227B}"/>
+          </ac:spMkLst>
+        </pc:spChg>
+        <pc:spChg chg="add mod">
+          <ac:chgData name="Nils Kvilvang" userId="cd2cc529-e0ce-4a3b-b903-2f2c3e925162" providerId="ADAL" clId="{1DDCB665-B9A4-4DAF-BF76-FB6E5B3D936B}" dt="2022-05-23T17:46:40.007" v="385"/>
+          <ac:spMkLst>
+            <pc:docMk/>
+            <pc:sldMk cId="1385341150" sldId="266"/>
+            <ac:spMk id="25" creationId="{14771C62-C909-BFE3-49FD-859FDE324916}"/>
+          </ac:spMkLst>
+        </pc:spChg>
+        <pc:spChg chg="add mod">
+          <ac:chgData name="Nils Kvilvang" userId="cd2cc529-e0ce-4a3b-b903-2f2c3e925162" providerId="ADAL" clId="{1DDCB665-B9A4-4DAF-BF76-FB6E5B3D936B}" dt="2022-05-23T18:29:10.617" v="404" actId="20577"/>
+          <ac:spMkLst>
+            <pc:docMk/>
+            <pc:sldMk cId="1385341150" sldId="266"/>
+            <ac:spMk id="27" creationId="{B426E24B-4D3C-0000-123E-6973FD43E8F9}"/>
+          </ac:spMkLst>
+        </pc:spChg>
+        <pc:cxnChg chg="del mod">
+          <ac:chgData name="Nils Kvilvang" userId="cd2cc529-e0ce-4a3b-b903-2f2c3e925162" providerId="ADAL" clId="{1DDCB665-B9A4-4DAF-BF76-FB6E5B3D936B}" dt="2022-05-23T17:46:56.210" v="386" actId="478"/>
+          <ac:cxnSpMkLst>
+            <pc:docMk/>
+            <pc:sldMk cId="1385341150" sldId="266"/>
+            <ac:cxnSpMk id="20" creationId="{D2F855F0-6D24-975E-724E-703CB6EB27E9}"/>
+          </ac:cxnSpMkLst>
+        </pc:cxnChg>
+        <pc:cxnChg chg="del mod">
+          <ac:chgData name="Nils Kvilvang" userId="cd2cc529-e0ce-4a3b-b903-2f2c3e925162" providerId="ADAL" clId="{1DDCB665-B9A4-4DAF-BF76-FB6E5B3D936B}" dt="2022-05-23T17:47:05.318" v="388" actId="478"/>
+          <ac:cxnSpMkLst>
+            <pc:docMk/>
+            <pc:sldMk cId="1385341150" sldId="266"/>
+            <ac:cxnSpMk id="23" creationId="{C8DFA147-A311-2674-45E7-3D2D0BFA982E}"/>
+          </ac:cxnSpMkLst>
+        </pc:cxnChg>
+        <pc:cxnChg chg="mod">
+          <ac:chgData name="Nils Kvilvang" userId="cd2cc529-e0ce-4a3b-b903-2f2c3e925162" providerId="ADAL" clId="{1DDCB665-B9A4-4DAF-BF76-FB6E5B3D936B}" dt="2022-05-23T17:44:56.642" v="376" actId="692"/>
+          <ac:cxnSpMkLst>
+            <pc:docMk/>
+            <pc:sldMk cId="1385341150" sldId="266"/>
+            <ac:cxnSpMk id="26" creationId="{384179D8-D2A9-A2A4-D573-0A1497AB1756}"/>
+          </ac:cxnSpMkLst>
+        </pc:cxnChg>
+        <pc:cxnChg chg="mod">
+          <ac:chgData name="Nils Kvilvang" userId="cd2cc529-e0ce-4a3b-b903-2f2c3e925162" providerId="ADAL" clId="{1DDCB665-B9A4-4DAF-BF76-FB6E5B3D936B}" dt="2022-05-23T17:45:09.513" v="378" actId="692"/>
+          <ac:cxnSpMkLst>
+            <pc:docMk/>
+            <pc:sldMk cId="1385341150" sldId="266"/>
+            <ac:cxnSpMk id="28" creationId="{9F7A29FB-7F42-687C-DCD7-27899F3BA06E}"/>
+          </ac:cxnSpMkLst>
+        </pc:cxnChg>
+      </pc:sldChg>
+    </pc:docChg>
+  </pc:docChgLst>
 </pc:chgInfo>
 </file>
 
@@ -1424,7 +1881,7 @@
           <a:p>
             <a:fld id="{5188D001-C765-4483-8B5D-8A583AE66641}" type="datetimeFigureOut">
               <a:rPr lang="nb-NO" smtClean="0"/>
-              <a:t>07.05.2022</a:t>
+              <a:t>23.05.2022</a:t>
             </a:fld>
             <a:endParaRPr lang="nb-NO"/>
           </a:p>
@@ -1622,7 +2079,7 @@
           <a:p>
             <a:fld id="{5188D001-C765-4483-8B5D-8A583AE66641}" type="datetimeFigureOut">
               <a:rPr lang="nb-NO" smtClean="0"/>
-              <a:t>07.05.2022</a:t>
+              <a:t>23.05.2022</a:t>
             </a:fld>
             <a:endParaRPr lang="nb-NO"/>
           </a:p>
@@ -1830,7 +2287,7 @@
           <a:p>
             <a:fld id="{5188D001-C765-4483-8B5D-8A583AE66641}" type="datetimeFigureOut">
               <a:rPr lang="nb-NO" smtClean="0"/>
-              <a:t>07.05.2022</a:t>
+              <a:t>23.05.2022</a:t>
             </a:fld>
             <a:endParaRPr lang="nb-NO"/>
           </a:p>
@@ -2028,7 +2485,7 @@
           <a:p>
             <a:fld id="{5188D001-C765-4483-8B5D-8A583AE66641}" type="datetimeFigureOut">
               <a:rPr lang="nb-NO" smtClean="0"/>
-              <a:t>07.05.2022</a:t>
+              <a:t>23.05.2022</a:t>
             </a:fld>
             <a:endParaRPr lang="nb-NO"/>
           </a:p>
@@ -2303,7 +2760,7 @@
           <a:p>
             <a:fld id="{5188D001-C765-4483-8B5D-8A583AE66641}" type="datetimeFigureOut">
               <a:rPr lang="nb-NO" smtClean="0"/>
-              <a:t>07.05.2022</a:t>
+              <a:t>23.05.2022</a:t>
             </a:fld>
             <a:endParaRPr lang="nb-NO"/>
           </a:p>
@@ -2568,7 +3025,7 @@
           <a:p>
             <a:fld id="{5188D001-C765-4483-8B5D-8A583AE66641}" type="datetimeFigureOut">
               <a:rPr lang="nb-NO" smtClean="0"/>
-              <a:t>07.05.2022</a:t>
+              <a:t>23.05.2022</a:t>
             </a:fld>
             <a:endParaRPr lang="nb-NO"/>
           </a:p>
@@ -2980,7 +3437,7 @@
           <a:p>
             <a:fld id="{5188D001-C765-4483-8B5D-8A583AE66641}" type="datetimeFigureOut">
               <a:rPr lang="nb-NO" smtClean="0"/>
-              <a:t>07.05.2022</a:t>
+              <a:t>23.05.2022</a:t>
             </a:fld>
             <a:endParaRPr lang="nb-NO"/>
           </a:p>
@@ -3121,7 +3578,7 @@
           <a:p>
             <a:fld id="{5188D001-C765-4483-8B5D-8A583AE66641}" type="datetimeFigureOut">
               <a:rPr lang="nb-NO" smtClean="0"/>
-              <a:t>07.05.2022</a:t>
+              <a:t>23.05.2022</a:t>
             </a:fld>
             <a:endParaRPr lang="nb-NO"/>
           </a:p>
@@ -3234,7 +3691,7 @@
           <a:p>
             <a:fld id="{5188D001-C765-4483-8B5D-8A583AE66641}" type="datetimeFigureOut">
               <a:rPr lang="nb-NO" smtClean="0"/>
-              <a:t>07.05.2022</a:t>
+              <a:t>23.05.2022</a:t>
             </a:fld>
             <a:endParaRPr lang="nb-NO"/>
           </a:p>
@@ -3545,7 +4002,7 @@
           <a:p>
             <a:fld id="{5188D001-C765-4483-8B5D-8A583AE66641}" type="datetimeFigureOut">
               <a:rPr lang="nb-NO" smtClean="0"/>
-              <a:t>07.05.2022</a:t>
+              <a:t>23.05.2022</a:t>
             </a:fld>
             <a:endParaRPr lang="nb-NO"/>
           </a:p>
@@ -3833,7 +4290,7 @@
           <a:p>
             <a:fld id="{5188D001-C765-4483-8B5D-8A583AE66641}" type="datetimeFigureOut">
               <a:rPr lang="nb-NO" smtClean="0"/>
-              <a:t>07.05.2022</a:t>
+              <a:t>23.05.2022</a:t>
             </a:fld>
             <a:endParaRPr lang="nb-NO"/>
           </a:p>
@@ -4074,7 +4531,7 @@
           <a:p>
             <a:fld id="{5188D001-C765-4483-8B5D-8A583AE66641}" type="datetimeFigureOut">
               <a:rPr lang="nb-NO" smtClean="0"/>
-              <a:t>07.05.2022</a:t>
+              <a:t>23.05.2022</a:t>
             </a:fld>
             <a:endParaRPr lang="nb-NO"/>
           </a:p>
@@ -5252,6 +5709,2167 @@
     <p:extLst>
       <p:ext uri="{BB962C8B-B14F-4D97-AF65-F5344CB8AC3E}">
         <p14:creationId xmlns:p14="http://schemas.microsoft.com/office/powerpoint/2010/main" val="1280974186"/>
+      </p:ext>
+    </p:extLst>
+  </p:cSld>
+  <p:clrMapOvr>
+    <a:masterClrMapping/>
+  </p:clrMapOvr>
+</p:sld>
+</file>
+
+<file path=ppt/slides/slide10.xml><?xml version="1.0" encoding="utf-8"?>
+<p:sld xmlns:a="http://schemas.openxmlformats.org/drawingml/2006/main" xmlns:r="http://schemas.openxmlformats.org/officeDocument/2006/relationships" xmlns:p="http://schemas.openxmlformats.org/presentationml/2006/main">
+  <p:cSld>
+    <p:spTree>
+      <p:nvGrpSpPr>
+        <p:cNvPr id="1" name=""/>
+        <p:cNvGrpSpPr/>
+        <p:nvPr/>
+      </p:nvGrpSpPr>
+      <p:grpSpPr>
+        <a:xfrm>
+          <a:off x="0" y="0"/>
+          <a:ext cx="0" cy="0"/>
+          <a:chOff x="0" y="0"/>
+          <a:chExt cx="0" cy="0"/>
+        </a:xfrm>
+      </p:grpSpPr>
+      <p:sp>
+        <p:nvSpPr>
+          <p:cNvPr id="2" name="Rektangel 1">
+            <a:extLst>
+              <a:ext uri="{FF2B5EF4-FFF2-40B4-BE49-F238E27FC236}">
+                <a16:creationId xmlns:a16="http://schemas.microsoft.com/office/drawing/2014/main" id="{205E5C73-FB16-7912-8451-8097D644E77C}"/>
+              </a:ext>
+            </a:extLst>
+          </p:cNvPr>
+          <p:cNvSpPr/>
+          <p:nvPr/>
+        </p:nvSpPr>
+        <p:spPr>
+          <a:xfrm>
+            <a:off x="1066800" y="1270006"/>
+            <a:ext cx="1076325" cy="2873370"/>
+          </a:xfrm>
+          <a:prstGeom prst="rect">
+            <a:avLst/>
+          </a:prstGeom>
+        </p:spPr>
+        <p:style>
+          <a:lnRef idx="2">
+            <a:schemeClr val="accent1">
+              <a:shade val="50000"/>
+            </a:schemeClr>
+          </a:lnRef>
+          <a:fillRef idx="1">
+            <a:schemeClr val="accent1"/>
+          </a:fillRef>
+          <a:effectRef idx="0">
+            <a:schemeClr val="accent1"/>
+          </a:effectRef>
+          <a:fontRef idx="minor">
+            <a:schemeClr val="lt1"/>
+          </a:fontRef>
+        </p:style>
+        <p:txBody>
+          <a:bodyPr rtlCol="0" anchor="ctr"/>
+          <a:lstStyle/>
+          <a:p>
+            <a:pPr algn="ctr"/>
+            <a:r>
+              <a:rPr lang="nb-NO" dirty="0"/>
+              <a:t>Data</a:t>
+            </a:r>
+          </a:p>
+        </p:txBody>
+      </p:sp>
+      <p:sp>
+        <p:nvSpPr>
+          <p:cNvPr id="3" name="Rektangel 2">
+            <a:extLst>
+              <a:ext uri="{FF2B5EF4-FFF2-40B4-BE49-F238E27FC236}">
+                <a16:creationId xmlns:a16="http://schemas.microsoft.com/office/drawing/2014/main" id="{154F866F-F79A-B12A-C3E3-19443884B77F}"/>
+              </a:ext>
+            </a:extLst>
+          </p:cNvPr>
+          <p:cNvSpPr/>
+          <p:nvPr/>
+        </p:nvSpPr>
+        <p:spPr>
+          <a:xfrm>
+            <a:off x="2933700" y="1270006"/>
+            <a:ext cx="981075" cy="2158994"/>
+          </a:xfrm>
+          <a:prstGeom prst="rect">
+            <a:avLst/>
+          </a:prstGeom>
+          <a:solidFill>
+            <a:schemeClr val="accent6">
+              <a:lumMod val="40000"/>
+              <a:lumOff val="60000"/>
+            </a:schemeClr>
+          </a:solidFill>
+        </p:spPr>
+        <p:style>
+          <a:lnRef idx="2">
+            <a:schemeClr val="accent1">
+              <a:shade val="50000"/>
+            </a:schemeClr>
+          </a:lnRef>
+          <a:fillRef idx="1">
+            <a:schemeClr val="accent1"/>
+          </a:fillRef>
+          <a:effectRef idx="0">
+            <a:schemeClr val="accent1"/>
+          </a:effectRef>
+          <a:fontRef idx="minor">
+            <a:schemeClr val="lt1"/>
+          </a:fontRef>
+        </p:style>
+        <p:txBody>
+          <a:bodyPr rtlCol="0" anchor="ctr"/>
+          <a:lstStyle/>
+          <a:p>
+            <a:pPr algn="ctr"/>
+            <a:r>
+              <a:rPr lang="nb-NO" dirty="0">
+                <a:solidFill>
+                  <a:schemeClr val="tx1"/>
+                </a:solidFill>
+              </a:rPr>
+              <a:t>Trening</a:t>
+            </a:r>
+          </a:p>
+        </p:txBody>
+      </p:sp>
+      <p:sp>
+        <p:nvSpPr>
+          <p:cNvPr id="4" name="Rektangel 3">
+            <a:extLst>
+              <a:ext uri="{FF2B5EF4-FFF2-40B4-BE49-F238E27FC236}">
+                <a16:creationId xmlns:a16="http://schemas.microsoft.com/office/drawing/2014/main" id="{360AA8EA-40EB-546E-0817-FF9C95161C79}"/>
+              </a:ext>
+            </a:extLst>
+          </p:cNvPr>
+          <p:cNvSpPr/>
+          <p:nvPr/>
+        </p:nvSpPr>
+        <p:spPr>
+          <a:xfrm>
+            <a:off x="2933699" y="3638550"/>
+            <a:ext cx="981075" cy="504825"/>
+          </a:xfrm>
+          <a:prstGeom prst="rect">
+            <a:avLst/>
+          </a:prstGeom>
+          <a:solidFill>
+            <a:schemeClr val="accent2">
+              <a:lumMod val="40000"/>
+              <a:lumOff val="60000"/>
+            </a:schemeClr>
+          </a:solidFill>
+        </p:spPr>
+        <p:style>
+          <a:lnRef idx="2">
+            <a:schemeClr val="accent1">
+              <a:shade val="50000"/>
+            </a:schemeClr>
+          </a:lnRef>
+          <a:fillRef idx="1">
+            <a:schemeClr val="accent1"/>
+          </a:fillRef>
+          <a:effectRef idx="0">
+            <a:schemeClr val="accent1"/>
+          </a:effectRef>
+          <a:fontRef idx="minor">
+            <a:schemeClr val="lt1"/>
+          </a:fontRef>
+        </p:style>
+        <p:txBody>
+          <a:bodyPr rtlCol="0" anchor="ctr"/>
+          <a:lstStyle/>
+          <a:p>
+            <a:pPr algn="ctr"/>
+            <a:r>
+              <a:rPr lang="nb-NO" dirty="0">
+                <a:solidFill>
+                  <a:schemeClr val="tx1"/>
+                </a:solidFill>
+              </a:rPr>
+              <a:t>Test</a:t>
+            </a:r>
+          </a:p>
+        </p:txBody>
+      </p:sp>
+      <p:cxnSp>
+        <p:nvCxnSpPr>
+          <p:cNvPr id="6" name="Rett pilkobling 5">
+            <a:extLst>
+              <a:ext uri="{FF2B5EF4-FFF2-40B4-BE49-F238E27FC236}">
+                <a16:creationId xmlns:a16="http://schemas.microsoft.com/office/drawing/2014/main" id="{63A2F937-BD31-38C5-55B4-A3E9B3E9A72F}"/>
+              </a:ext>
+            </a:extLst>
+          </p:cNvPr>
+          <p:cNvCxnSpPr/>
+          <p:nvPr/>
+        </p:nvCxnSpPr>
+        <p:spPr>
+          <a:xfrm>
+            <a:off x="2143125" y="2164080"/>
+            <a:ext cx="790574" cy="0"/>
+          </a:xfrm>
+          <a:prstGeom prst="straightConnector1">
+            <a:avLst/>
+          </a:prstGeom>
+          <a:ln>
+            <a:solidFill>
+              <a:schemeClr val="tx1"/>
+            </a:solidFill>
+            <a:tailEnd type="triangle"/>
+          </a:ln>
+        </p:spPr>
+        <p:style>
+          <a:lnRef idx="1">
+            <a:schemeClr val="accent1"/>
+          </a:lnRef>
+          <a:fillRef idx="0">
+            <a:schemeClr val="accent1"/>
+          </a:fillRef>
+          <a:effectRef idx="0">
+            <a:schemeClr val="accent1"/>
+          </a:effectRef>
+          <a:fontRef idx="minor">
+            <a:schemeClr val="tx1"/>
+          </a:fontRef>
+        </p:style>
+      </p:cxnSp>
+      <p:cxnSp>
+        <p:nvCxnSpPr>
+          <p:cNvPr id="7" name="Rett pilkobling 6">
+            <a:extLst>
+              <a:ext uri="{FF2B5EF4-FFF2-40B4-BE49-F238E27FC236}">
+                <a16:creationId xmlns:a16="http://schemas.microsoft.com/office/drawing/2014/main" id="{6F92DC45-6A1E-C180-7A93-ED14DBD2AD65}"/>
+              </a:ext>
+            </a:extLst>
+          </p:cNvPr>
+          <p:cNvCxnSpPr/>
+          <p:nvPr/>
+        </p:nvCxnSpPr>
+        <p:spPr>
+          <a:xfrm>
+            <a:off x="2143125" y="3911600"/>
+            <a:ext cx="790574" cy="0"/>
+          </a:xfrm>
+          <a:prstGeom prst="straightConnector1">
+            <a:avLst/>
+          </a:prstGeom>
+          <a:ln>
+            <a:solidFill>
+              <a:schemeClr val="tx1"/>
+            </a:solidFill>
+            <a:tailEnd type="triangle"/>
+          </a:ln>
+        </p:spPr>
+        <p:style>
+          <a:lnRef idx="1">
+            <a:schemeClr val="accent1"/>
+          </a:lnRef>
+          <a:fillRef idx="0">
+            <a:schemeClr val="accent1"/>
+          </a:fillRef>
+          <a:effectRef idx="0">
+            <a:schemeClr val="accent1"/>
+          </a:effectRef>
+          <a:fontRef idx="minor">
+            <a:schemeClr val="tx1"/>
+          </a:fontRef>
+        </p:style>
+      </p:cxnSp>
+      <p:sp>
+        <p:nvSpPr>
+          <p:cNvPr id="8" name="TekstSylinder 7">
+            <a:extLst>
+              <a:ext uri="{FF2B5EF4-FFF2-40B4-BE49-F238E27FC236}">
+                <a16:creationId xmlns:a16="http://schemas.microsoft.com/office/drawing/2014/main" id="{4BDD51A8-4089-8E32-875B-C29358827791}"/>
+              </a:ext>
+            </a:extLst>
+          </p:cNvPr>
+          <p:cNvSpPr txBox="1"/>
+          <p:nvPr/>
+        </p:nvSpPr>
+        <p:spPr>
+          <a:xfrm>
+            <a:off x="2246505" y="1794748"/>
+            <a:ext cx="583814" cy="369332"/>
+          </a:xfrm>
+          <a:prstGeom prst="rect">
+            <a:avLst/>
+          </a:prstGeom>
+          <a:noFill/>
+        </p:spPr>
+        <p:txBody>
+          <a:bodyPr wrap="none" rtlCol="0">
+            <a:spAutoFit/>
+          </a:bodyPr>
+          <a:lstStyle/>
+          <a:p>
+            <a:r>
+              <a:rPr lang="nb-NO" dirty="0"/>
+              <a:t>80%</a:t>
+            </a:r>
+          </a:p>
+        </p:txBody>
+      </p:sp>
+      <p:sp>
+        <p:nvSpPr>
+          <p:cNvPr id="9" name="TekstSylinder 8">
+            <a:extLst>
+              <a:ext uri="{FF2B5EF4-FFF2-40B4-BE49-F238E27FC236}">
+                <a16:creationId xmlns:a16="http://schemas.microsoft.com/office/drawing/2014/main" id="{94F4E8AC-206C-1323-4C45-2F3D5901AB46}"/>
+              </a:ext>
+            </a:extLst>
+          </p:cNvPr>
+          <p:cNvSpPr txBox="1"/>
+          <p:nvPr/>
+        </p:nvSpPr>
+        <p:spPr>
+          <a:xfrm>
+            <a:off x="2246505" y="3542267"/>
+            <a:ext cx="583814" cy="369332"/>
+          </a:xfrm>
+          <a:prstGeom prst="rect">
+            <a:avLst/>
+          </a:prstGeom>
+          <a:noFill/>
+        </p:spPr>
+        <p:txBody>
+          <a:bodyPr wrap="none" rtlCol="0">
+            <a:spAutoFit/>
+          </a:bodyPr>
+          <a:lstStyle/>
+          <a:p>
+            <a:r>
+              <a:rPr lang="nb-NO" dirty="0"/>
+              <a:t>20%</a:t>
+            </a:r>
+          </a:p>
+        </p:txBody>
+      </p:sp>
+      <p:sp>
+        <p:nvSpPr>
+          <p:cNvPr id="10" name="Rektangel 9">
+            <a:extLst>
+              <a:ext uri="{FF2B5EF4-FFF2-40B4-BE49-F238E27FC236}">
+                <a16:creationId xmlns:a16="http://schemas.microsoft.com/office/drawing/2014/main" id="{D34FB0CC-1168-3C27-BF9B-CE246EAD0B15}"/>
+              </a:ext>
+            </a:extLst>
+          </p:cNvPr>
+          <p:cNvSpPr/>
+          <p:nvPr/>
+        </p:nvSpPr>
+        <p:spPr>
+          <a:xfrm>
+            <a:off x="4730316" y="1270006"/>
+            <a:ext cx="981075" cy="372348"/>
+          </a:xfrm>
+          <a:prstGeom prst="rect">
+            <a:avLst/>
+          </a:prstGeom>
+          <a:solidFill>
+            <a:schemeClr val="accent4">
+              <a:lumMod val="20000"/>
+              <a:lumOff val="80000"/>
+            </a:schemeClr>
+          </a:solidFill>
+        </p:spPr>
+        <p:style>
+          <a:lnRef idx="2">
+            <a:schemeClr val="accent1">
+              <a:shade val="50000"/>
+            </a:schemeClr>
+          </a:lnRef>
+          <a:fillRef idx="1">
+            <a:schemeClr val="accent1"/>
+          </a:fillRef>
+          <a:effectRef idx="0">
+            <a:schemeClr val="accent1"/>
+          </a:effectRef>
+          <a:fontRef idx="minor">
+            <a:schemeClr val="lt1"/>
+          </a:fontRef>
+        </p:style>
+        <p:txBody>
+          <a:bodyPr rtlCol="0" anchor="ctr"/>
+          <a:lstStyle/>
+          <a:p>
+            <a:pPr algn="ctr"/>
+            <a:r>
+              <a:rPr lang="nb-NO" dirty="0">
+                <a:solidFill>
+                  <a:schemeClr val="tx1"/>
+                </a:solidFill>
+              </a:rPr>
+              <a:t>Utvalg 1</a:t>
+            </a:r>
+          </a:p>
+        </p:txBody>
+      </p:sp>
+      <p:sp>
+        <p:nvSpPr>
+          <p:cNvPr id="11" name="Rektangel 10">
+            <a:extLst>
+              <a:ext uri="{FF2B5EF4-FFF2-40B4-BE49-F238E27FC236}">
+                <a16:creationId xmlns:a16="http://schemas.microsoft.com/office/drawing/2014/main" id="{C6D4A49C-42A6-BCE2-A21D-EB7009C72B9A}"/>
+              </a:ext>
+            </a:extLst>
+          </p:cNvPr>
+          <p:cNvSpPr/>
+          <p:nvPr/>
+        </p:nvSpPr>
+        <p:spPr>
+          <a:xfrm>
+            <a:off x="4730316" y="1864523"/>
+            <a:ext cx="981075" cy="372348"/>
+          </a:xfrm>
+          <a:prstGeom prst="rect">
+            <a:avLst/>
+          </a:prstGeom>
+          <a:solidFill>
+            <a:schemeClr val="accent4">
+              <a:lumMod val="20000"/>
+              <a:lumOff val="80000"/>
+            </a:schemeClr>
+          </a:solidFill>
+        </p:spPr>
+        <p:style>
+          <a:lnRef idx="2">
+            <a:schemeClr val="accent1">
+              <a:shade val="50000"/>
+            </a:schemeClr>
+          </a:lnRef>
+          <a:fillRef idx="1">
+            <a:schemeClr val="accent1"/>
+          </a:fillRef>
+          <a:effectRef idx="0">
+            <a:schemeClr val="accent1"/>
+          </a:effectRef>
+          <a:fontRef idx="minor">
+            <a:schemeClr val="lt1"/>
+          </a:fontRef>
+        </p:style>
+        <p:txBody>
+          <a:bodyPr rtlCol="0" anchor="ctr"/>
+          <a:lstStyle/>
+          <a:p>
+            <a:pPr algn="ctr"/>
+            <a:r>
+              <a:rPr lang="nb-NO" dirty="0">
+                <a:solidFill>
+                  <a:schemeClr val="tx1"/>
+                </a:solidFill>
+              </a:rPr>
+              <a:t>Utvalg 2</a:t>
+            </a:r>
+          </a:p>
+        </p:txBody>
+      </p:sp>
+      <p:sp>
+        <p:nvSpPr>
+          <p:cNvPr id="12" name="Rektangel 11">
+            <a:extLst>
+              <a:ext uri="{FF2B5EF4-FFF2-40B4-BE49-F238E27FC236}">
+                <a16:creationId xmlns:a16="http://schemas.microsoft.com/office/drawing/2014/main" id="{354FB7C8-9BBC-93E5-A54C-1524261C454A}"/>
+              </a:ext>
+            </a:extLst>
+          </p:cNvPr>
+          <p:cNvSpPr/>
+          <p:nvPr/>
+        </p:nvSpPr>
+        <p:spPr>
+          <a:xfrm>
+            <a:off x="4728929" y="2456368"/>
+            <a:ext cx="981075" cy="372348"/>
+          </a:xfrm>
+          <a:prstGeom prst="rect">
+            <a:avLst/>
+          </a:prstGeom>
+          <a:solidFill>
+            <a:schemeClr val="accent4">
+              <a:lumMod val="20000"/>
+              <a:lumOff val="80000"/>
+            </a:schemeClr>
+          </a:solidFill>
+        </p:spPr>
+        <p:style>
+          <a:lnRef idx="2">
+            <a:schemeClr val="accent1">
+              <a:shade val="50000"/>
+            </a:schemeClr>
+          </a:lnRef>
+          <a:fillRef idx="1">
+            <a:schemeClr val="accent1"/>
+          </a:fillRef>
+          <a:effectRef idx="0">
+            <a:schemeClr val="accent1"/>
+          </a:effectRef>
+          <a:fontRef idx="minor">
+            <a:schemeClr val="lt1"/>
+          </a:fontRef>
+        </p:style>
+        <p:txBody>
+          <a:bodyPr rtlCol="0" anchor="ctr"/>
+          <a:lstStyle/>
+          <a:p>
+            <a:pPr algn="ctr"/>
+            <a:r>
+              <a:rPr lang="nb-NO" dirty="0">
+                <a:solidFill>
+                  <a:schemeClr val="tx1"/>
+                </a:solidFill>
+              </a:rPr>
+              <a:t>Validere</a:t>
+            </a:r>
+          </a:p>
+        </p:txBody>
+      </p:sp>
+      <p:sp>
+        <p:nvSpPr>
+          <p:cNvPr id="13" name="Rektangel 12">
+            <a:extLst>
+              <a:ext uri="{FF2B5EF4-FFF2-40B4-BE49-F238E27FC236}">
+                <a16:creationId xmlns:a16="http://schemas.microsoft.com/office/drawing/2014/main" id="{3F65C256-F8E8-1FFB-5574-CC06A151AFFB}"/>
+              </a:ext>
+            </a:extLst>
+          </p:cNvPr>
+          <p:cNvSpPr/>
+          <p:nvPr/>
+        </p:nvSpPr>
+        <p:spPr>
+          <a:xfrm>
+            <a:off x="4728928" y="3048213"/>
+            <a:ext cx="981075" cy="372348"/>
+          </a:xfrm>
+          <a:prstGeom prst="rect">
+            <a:avLst/>
+          </a:prstGeom>
+          <a:solidFill>
+            <a:schemeClr val="accent4">
+              <a:lumMod val="20000"/>
+              <a:lumOff val="80000"/>
+            </a:schemeClr>
+          </a:solidFill>
+        </p:spPr>
+        <p:style>
+          <a:lnRef idx="2">
+            <a:schemeClr val="accent1">
+              <a:shade val="50000"/>
+            </a:schemeClr>
+          </a:lnRef>
+          <a:fillRef idx="1">
+            <a:schemeClr val="accent1"/>
+          </a:fillRef>
+          <a:effectRef idx="0">
+            <a:schemeClr val="accent1"/>
+          </a:effectRef>
+          <a:fontRef idx="minor">
+            <a:schemeClr val="lt1"/>
+          </a:fontRef>
+        </p:style>
+        <p:txBody>
+          <a:bodyPr rtlCol="0" anchor="ctr"/>
+          <a:lstStyle/>
+          <a:p>
+            <a:pPr algn="ctr"/>
+            <a:r>
+              <a:rPr lang="nb-NO" dirty="0">
+                <a:solidFill>
+                  <a:schemeClr val="tx1"/>
+                </a:solidFill>
+              </a:rPr>
+              <a:t>Utvalg k</a:t>
+            </a:r>
+          </a:p>
+        </p:txBody>
+      </p:sp>
+      <p:sp>
+        <p:nvSpPr>
+          <p:cNvPr id="14" name="Høyre klammeparentes 13">
+            <a:extLst>
+              <a:ext uri="{FF2B5EF4-FFF2-40B4-BE49-F238E27FC236}">
+                <a16:creationId xmlns:a16="http://schemas.microsoft.com/office/drawing/2014/main" id="{F9B75BEE-9EFD-144E-CCC8-86A080C594CB}"/>
+              </a:ext>
+            </a:extLst>
+          </p:cNvPr>
+          <p:cNvSpPr/>
+          <p:nvPr/>
+        </p:nvSpPr>
+        <p:spPr>
+          <a:xfrm>
+            <a:off x="4010024" y="1270006"/>
+            <a:ext cx="175896" cy="2158994"/>
+          </a:xfrm>
+          <a:prstGeom prst="rightBrace">
+            <a:avLst/>
+          </a:prstGeom>
+          <a:ln>
+            <a:solidFill>
+              <a:schemeClr val="tx1"/>
+            </a:solidFill>
+          </a:ln>
+        </p:spPr>
+        <p:style>
+          <a:lnRef idx="1">
+            <a:schemeClr val="accent1"/>
+          </a:lnRef>
+          <a:fillRef idx="0">
+            <a:schemeClr val="accent1"/>
+          </a:fillRef>
+          <a:effectRef idx="0">
+            <a:schemeClr val="accent1"/>
+          </a:effectRef>
+          <a:fontRef idx="minor">
+            <a:schemeClr val="tx1"/>
+          </a:fontRef>
+        </p:style>
+        <p:txBody>
+          <a:bodyPr rtlCol="0" anchor="ctr"/>
+          <a:lstStyle/>
+          <a:p>
+            <a:pPr algn="ctr"/>
+            <a:endParaRPr lang="nb-NO"/>
+          </a:p>
+        </p:txBody>
+      </p:sp>
+      <p:sp>
+        <p:nvSpPr>
+          <p:cNvPr id="15" name="TekstSylinder 14">
+            <a:extLst>
+              <a:ext uri="{FF2B5EF4-FFF2-40B4-BE49-F238E27FC236}">
+                <a16:creationId xmlns:a16="http://schemas.microsoft.com/office/drawing/2014/main" id="{F2A643C3-5437-40DE-C8EB-185AF3D3A900}"/>
+              </a:ext>
+            </a:extLst>
+          </p:cNvPr>
+          <p:cNvSpPr txBox="1"/>
+          <p:nvPr/>
+        </p:nvSpPr>
+        <p:spPr>
+          <a:xfrm>
+            <a:off x="4170898" y="1467445"/>
+            <a:ext cx="381836" cy="1754326"/>
+          </a:xfrm>
+          <a:prstGeom prst="rect">
+            <a:avLst/>
+          </a:prstGeom>
+          <a:noFill/>
+        </p:spPr>
+        <p:txBody>
+          <a:bodyPr wrap="none" rtlCol="0">
+            <a:spAutoFit/>
+          </a:bodyPr>
+          <a:lstStyle/>
+          <a:p>
+            <a:r>
+              <a:rPr lang="nb-NO" dirty="0"/>
+              <a:t>R</a:t>
+            </a:r>
+          </a:p>
+          <a:p>
+            <a:r>
+              <a:rPr lang="nb-NO" dirty="0"/>
+              <a:t>A</a:t>
+            </a:r>
+          </a:p>
+          <a:p>
+            <a:r>
+              <a:rPr lang="nb-NO" dirty="0"/>
+              <a:t>N</a:t>
+            </a:r>
+          </a:p>
+          <a:p>
+            <a:r>
+              <a:rPr lang="nb-NO" dirty="0"/>
+              <a:t>D</a:t>
+            </a:r>
+          </a:p>
+          <a:p>
+            <a:r>
+              <a:rPr lang="nb-NO" dirty="0"/>
+              <a:t>O</a:t>
+            </a:r>
+          </a:p>
+          <a:p>
+            <a:r>
+              <a:rPr lang="nb-NO" dirty="0"/>
+              <a:t>M</a:t>
+            </a:r>
+          </a:p>
+        </p:txBody>
+      </p:sp>
+      <p:sp>
+        <p:nvSpPr>
+          <p:cNvPr id="17" name="Rektangel 16">
+            <a:extLst>
+              <a:ext uri="{FF2B5EF4-FFF2-40B4-BE49-F238E27FC236}">
+                <a16:creationId xmlns:a16="http://schemas.microsoft.com/office/drawing/2014/main" id="{E723FD64-8963-D6A1-7D44-25A053343BBD}"/>
+              </a:ext>
+            </a:extLst>
+          </p:cNvPr>
+          <p:cNvSpPr/>
+          <p:nvPr/>
+        </p:nvSpPr>
+        <p:spPr>
+          <a:xfrm>
+            <a:off x="6431282" y="1794748"/>
+            <a:ext cx="1076324" cy="1123629"/>
+          </a:xfrm>
+          <a:prstGeom prst="rect">
+            <a:avLst/>
+          </a:prstGeom>
+          <a:solidFill>
+            <a:schemeClr val="bg2">
+              <a:lumMod val="90000"/>
+            </a:schemeClr>
+          </a:solidFill>
+        </p:spPr>
+        <p:style>
+          <a:lnRef idx="2">
+            <a:schemeClr val="accent1">
+              <a:shade val="50000"/>
+            </a:schemeClr>
+          </a:lnRef>
+          <a:fillRef idx="1">
+            <a:schemeClr val="accent1"/>
+          </a:fillRef>
+          <a:effectRef idx="0">
+            <a:schemeClr val="accent1"/>
+          </a:effectRef>
+          <a:fontRef idx="minor">
+            <a:schemeClr val="lt1"/>
+          </a:fontRef>
+        </p:style>
+        <p:txBody>
+          <a:bodyPr rtlCol="0" anchor="ctr"/>
+          <a:lstStyle/>
+          <a:p>
+            <a:pPr algn="ctr"/>
+            <a:r>
+              <a:rPr lang="nb-NO" dirty="0">
+                <a:solidFill>
+                  <a:schemeClr val="tx1"/>
+                </a:solidFill>
+              </a:rPr>
+              <a:t>Bygge modell og trene</a:t>
+            </a:r>
+          </a:p>
+        </p:txBody>
+      </p:sp>
+      <p:sp>
+        <p:nvSpPr>
+          <p:cNvPr id="24" name="Høyre klammeparentes 23">
+            <a:extLst>
+              <a:ext uri="{FF2B5EF4-FFF2-40B4-BE49-F238E27FC236}">
+                <a16:creationId xmlns:a16="http://schemas.microsoft.com/office/drawing/2014/main" id="{5B2EA20E-3F88-5C6D-397D-753506133640}"/>
+              </a:ext>
+            </a:extLst>
+          </p:cNvPr>
+          <p:cNvSpPr/>
+          <p:nvPr/>
+        </p:nvSpPr>
+        <p:spPr>
+          <a:xfrm rot="10800000">
+            <a:off x="4461507" y="1277065"/>
+            <a:ext cx="175896" cy="2158994"/>
+          </a:xfrm>
+          <a:prstGeom prst="rightBrace">
+            <a:avLst/>
+          </a:prstGeom>
+          <a:ln>
+            <a:solidFill>
+              <a:schemeClr val="tx1"/>
+            </a:solidFill>
+          </a:ln>
+        </p:spPr>
+        <p:style>
+          <a:lnRef idx="1">
+            <a:schemeClr val="accent1"/>
+          </a:lnRef>
+          <a:fillRef idx="0">
+            <a:schemeClr val="accent1"/>
+          </a:fillRef>
+          <a:effectRef idx="0">
+            <a:schemeClr val="accent1"/>
+          </a:effectRef>
+          <a:fontRef idx="minor">
+            <a:schemeClr val="tx1"/>
+          </a:fontRef>
+        </p:style>
+        <p:txBody>
+          <a:bodyPr rtlCol="0" anchor="ctr"/>
+          <a:lstStyle/>
+          <a:p>
+            <a:pPr algn="ctr"/>
+            <a:endParaRPr lang="nb-NO"/>
+          </a:p>
+        </p:txBody>
+      </p:sp>
+      <p:cxnSp>
+        <p:nvCxnSpPr>
+          <p:cNvPr id="19" name="Rett pilkobling 18">
+            <a:extLst>
+              <a:ext uri="{FF2B5EF4-FFF2-40B4-BE49-F238E27FC236}">
+                <a16:creationId xmlns:a16="http://schemas.microsoft.com/office/drawing/2014/main" id="{B4557372-D6F1-3DBE-CBF3-4C19F7633EAE}"/>
+              </a:ext>
+            </a:extLst>
+          </p:cNvPr>
+          <p:cNvCxnSpPr>
+            <a:cxnSpLocks/>
+            <a:stCxn id="10" idx="3"/>
+          </p:cNvCxnSpPr>
+          <p:nvPr/>
+        </p:nvCxnSpPr>
+        <p:spPr>
+          <a:xfrm>
+            <a:off x="5711391" y="1456180"/>
+            <a:ext cx="719891" cy="594517"/>
+          </a:xfrm>
+          <a:prstGeom prst="straightConnector1">
+            <a:avLst/>
+          </a:prstGeom>
+          <a:ln>
+            <a:solidFill>
+              <a:schemeClr val="tx1"/>
+            </a:solidFill>
+            <a:tailEnd type="triangle"/>
+          </a:ln>
+        </p:spPr>
+        <p:style>
+          <a:lnRef idx="1">
+            <a:schemeClr val="accent1"/>
+          </a:lnRef>
+          <a:fillRef idx="0">
+            <a:schemeClr val="accent1"/>
+          </a:fillRef>
+          <a:effectRef idx="0">
+            <a:schemeClr val="accent1"/>
+          </a:effectRef>
+          <a:fontRef idx="minor">
+            <a:schemeClr val="tx1"/>
+          </a:fontRef>
+        </p:style>
+      </p:cxnSp>
+      <p:cxnSp>
+        <p:nvCxnSpPr>
+          <p:cNvPr id="22" name="Rett pilkobling 21">
+            <a:extLst>
+              <a:ext uri="{FF2B5EF4-FFF2-40B4-BE49-F238E27FC236}">
+                <a16:creationId xmlns:a16="http://schemas.microsoft.com/office/drawing/2014/main" id="{1EF7E0D1-5FC6-B79C-E208-01D0190805BC}"/>
+              </a:ext>
+            </a:extLst>
+          </p:cNvPr>
+          <p:cNvCxnSpPr>
+            <a:cxnSpLocks/>
+            <a:stCxn id="11" idx="3"/>
+          </p:cNvCxnSpPr>
+          <p:nvPr/>
+        </p:nvCxnSpPr>
+        <p:spPr>
+          <a:xfrm>
+            <a:off x="5711391" y="2050697"/>
+            <a:ext cx="719891" cy="186174"/>
+          </a:xfrm>
+          <a:prstGeom prst="straightConnector1">
+            <a:avLst/>
+          </a:prstGeom>
+          <a:ln>
+            <a:solidFill>
+              <a:schemeClr val="tx1"/>
+            </a:solidFill>
+            <a:tailEnd type="triangle"/>
+          </a:ln>
+        </p:spPr>
+        <p:style>
+          <a:lnRef idx="1">
+            <a:schemeClr val="accent1"/>
+          </a:lnRef>
+          <a:fillRef idx="0">
+            <a:schemeClr val="accent1"/>
+          </a:fillRef>
+          <a:effectRef idx="0">
+            <a:schemeClr val="accent1"/>
+          </a:effectRef>
+          <a:fontRef idx="minor">
+            <a:schemeClr val="tx1"/>
+          </a:fontRef>
+        </p:style>
+      </p:cxnSp>
+      <p:cxnSp>
+        <p:nvCxnSpPr>
+          <p:cNvPr id="26" name="Rett pilkobling 25">
+            <a:extLst>
+              <a:ext uri="{FF2B5EF4-FFF2-40B4-BE49-F238E27FC236}">
+                <a16:creationId xmlns:a16="http://schemas.microsoft.com/office/drawing/2014/main" id="{384179D8-D2A9-A2A4-D573-0A1497AB1756}"/>
+              </a:ext>
+            </a:extLst>
+          </p:cNvPr>
+          <p:cNvCxnSpPr>
+            <a:stCxn id="12" idx="3"/>
+            <a:endCxn id="17" idx="1"/>
+          </p:cNvCxnSpPr>
+          <p:nvPr/>
+        </p:nvCxnSpPr>
+        <p:spPr>
+          <a:xfrm flipV="1">
+            <a:off x="5710004" y="2356563"/>
+            <a:ext cx="721278" cy="285979"/>
+          </a:xfrm>
+          <a:prstGeom prst="straightConnector1">
+            <a:avLst/>
+          </a:prstGeom>
+          <a:ln>
+            <a:solidFill>
+              <a:schemeClr val="tx1"/>
+            </a:solidFill>
+            <a:headEnd type="triangle"/>
+            <a:tailEnd type="none"/>
+          </a:ln>
+        </p:spPr>
+        <p:style>
+          <a:lnRef idx="1">
+            <a:schemeClr val="accent1"/>
+          </a:lnRef>
+          <a:fillRef idx="0">
+            <a:schemeClr val="accent1"/>
+          </a:fillRef>
+          <a:effectRef idx="0">
+            <a:schemeClr val="accent1"/>
+          </a:effectRef>
+          <a:fontRef idx="minor">
+            <a:schemeClr val="tx1"/>
+          </a:fontRef>
+        </p:style>
+      </p:cxnSp>
+      <p:cxnSp>
+        <p:nvCxnSpPr>
+          <p:cNvPr id="28" name="Rett pilkobling 27">
+            <a:extLst>
+              <a:ext uri="{FF2B5EF4-FFF2-40B4-BE49-F238E27FC236}">
+                <a16:creationId xmlns:a16="http://schemas.microsoft.com/office/drawing/2014/main" id="{9F7A29FB-7F42-687C-DCD7-27899F3BA06E}"/>
+              </a:ext>
+            </a:extLst>
+          </p:cNvPr>
+          <p:cNvCxnSpPr>
+            <a:cxnSpLocks/>
+            <a:endCxn id="13" idx="3"/>
+          </p:cNvCxnSpPr>
+          <p:nvPr/>
+        </p:nvCxnSpPr>
+        <p:spPr>
+          <a:xfrm flipH="1">
+            <a:off x="5710003" y="2642542"/>
+            <a:ext cx="721279" cy="591845"/>
+          </a:xfrm>
+          <a:prstGeom prst="straightConnector1">
+            <a:avLst/>
+          </a:prstGeom>
+          <a:ln>
+            <a:solidFill>
+              <a:schemeClr val="tx1"/>
+            </a:solidFill>
+            <a:headEnd type="triangle"/>
+            <a:tailEnd type="none"/>
+          </a:ln>
+        </p:spPr>
+        <p:style>
+          <a:lnRef idx="1">
+            <a:schemeClr val="accent1"/>
+          </a:lnRef>
+          <a:fillRef idx="0">
+            <a:schemeClr val="accent1"/>
+          </a:fillRef>
+          <a:effectRef idx="0">
+            <a:schemeClr val="accent1"/>
+          </a:effectRef>
+          <a:fontRef idx="minor">
+            <a:schemeClr val="tx1"/>
+          </a:fontRef>
+        </p:style>
+      </p:cxnSp>
+      <p:sp>
+        <p:nvSpPr>
+          <p:cNvPr id="25" name="TekstSylinder 24">
+            <a:extLst>
+              <a:ext uri="{FF2B5EF4-FFF2-40B4-BE49-F238E27FC236}">
+                <a16:creationId xmlns:a16="http://schemas.microsoft.com/office/drawing/2014/main" id="{14771C62-C909-BFE3-49FD-859FDE324916}"/>
+              </a:ext>
+            </a:extLst>
+          </p:cNvPr>
+          <p:cNvSpPr txBox="1"/>
+          <p:nvPr/>
+        </p:nvSpPr>
+        <p:spPr>
+          <a:xfrm>
+            <a:off x="2371636" y="2167477"/>
+            <a:ext cx="338554" cy="1384995"/>
+          </a:xfrm>
+          <a:prstGeom prst="rect">
+            <a:avLst/>
+          </a:prstGeom>
+          <a:noFill/>
+        </p:spPr>
+        <p:txBody>
+          <a:bodyPr wrap="none" rtlCol="0">
+            <a:spAutoFit/>
+          </a:bodyPr>
+          <a:lstStyle/>
+          <a:p>
+            <a:r>
+              <a:rPr lang="nb-NO" sz="1400" dirty="0"/>
+              <a:t>R</a:t>
+            </a:r>
+          </a:p>
+          <a:p>
+            <a:r>
+              <a:rPr lang="nb-NO" sz="1400" dirty="0"/>
+              <a:t>A</a:t>
+            </a:r>
+          </a:p>
+          <a:p>
+            <a:r>
+              <a:rPr lang="nb-NO" sz="1400" dirty="0"/>
+              <a:t>N</a:t>
+            </a:r>
+          </a:p>
+          <a:p>
+            <a:r>
+              <a:rPr lang="nb-NO" sz="1400" dirty="0"/>
+              <a:t>D</a:t>
+            </a:r>
+          </a:p>
+          <a:p>
+            <a:r>
+              <a:rPr lang="nb-NO" sz="1400" dirty="0"/>
+              <a:t>O</a:t>
+            </a:r>
+          </a:p>
+          <a:p>
+            <a:r>
+              <a:rPr lang="nb-NO" sz="1400" dirty="0"/>
+              <a:t>M</a:t>
+            </a:r>
+          </a:p>
+        </p:txBody>
+      </p:sp>
+      <p:sp>
+        <p:nvSpPr>
+          <p:cNvPr id="27" name="TekstSylinder 26">
+            <a:extLst>
+              <a:ext uri="{FF2B5EF4-FFF2-40B4-BE49-F238E27FC236}">
+                <a16:creationId xmlns:a16="http://schemas.microsoft.com/office/drawing/2014/main" id="{B426E24B-4D3C-0000-123E-6973FD43E8F9}"/>
+              </a:ext>
+            </a:extLst>
+          </p:cNvPr>
+          <p:cNvSpPr txBox="1"/>
+          <p:nvPr/>
+        </p:nvSpPr>
+        <p:spPr>
+          <a:xfrm>
+            <a:off x="4795603" y="714500"/>
+            <a:ext cx="914400" cy="369332"/>
+          </a:xfrm>
+          <a:prstGeom prst="rect">
+            <a:avLst/>
+          </a:prstGeom>
+          <a:noFill/>
+        </p:spPr>
+        <p:txBody>
+          <a:bodyPr wrap="square" rtlCol="0">
+            <a:spAutoFit/>
+          </a:bodyPr>
+          <a:lstStyle/>
+          <a:p>
+            <a:r>
+              <a:rPr lang="nb-NO" dirty="0"/>
+              <a:t>Fold 2</a:t>
+            </a:r>
+          </a:p>
+        </p:txBody>
+      </p:sp>
+    </p:spTree>
+    <p:extLst>
+      <p:ext uri="{BB962C8B-B14F-4D97-AF65-F5344CB8AC3E}">
+        <p14:creationId xmlns:p14="http://schemas.microsoft.com/office/powerpoint/2010/main" val="1385341150"/>
+      </p:ext>
+    </p:extLst>
+  </p:cSld>
+  <p:clrMapOvr>
+    <a:masterClrMapping/>
+  </p:clrMapOvr>
+</p:sld>
+</file>
+
+<file path=ppt/slides/slide11.xml><?xml version="1.0" encoding="utf-8"?>
+<p:sld xmlns:a="http://schemas.openxmlformats.org/drawingml/2006/main" xmlns:r="http://schemas.openxmlformats.org/officeDocument/2006/relationships" xmlns:p="http://schemas.openxmlformats.org/presentationml/2006/main">
+  <p:cSld>
+    <p:spTree>
+      <p:nvGrpSpPr>
+        <p:cNvPr id="1" name=""/>
+        <p:cNvGrpSpPr/>
+        <p:nvPr/>
+      </p:nvGrpSpPr>
+      <p:grpSpPr>
+        <a:xfrm>
+          <a:off x="0" y="0"/>
+          <a:ext cx="0" cy="0"/>
+          <a:chOff x="0" y="0"/>
+          <a:chExt cx="0" cy="0"/>
+        </a:xfrm>
+      </p:grpSpPr>
+      <p:sp>
+        <p:nvSpPr>
+          <p:cNvPr id="2" name="Rektangel 1">
+            <a:extLst>
+              <a:ext uri="{FF2B5EF4-FFF2-40B4-BE49-F238E27FC236}">
+                <a16:creationId xmlns:a16="http://schemas.microsoft.com/office/drawing/2014/main" id="{205E5C73-FB16-7912-8451-8097D644E77C}"/>
+              </a:ext>
+            </a:extLst>
+          </p:cNvPr>
+          <p:cNvSpPr/>
+          <p:nvPr/>
+        </p:nvSpPr>
+        <p:spPr>
+          <a:xfrm>
+            <a:off x="1066800" y="1270006"/>
+            <a:ext cx="1076325" cy="2873370"/>
+          </a:xfrm>
+          <a:prstGeom prst="rect">
+            <a:avLst/>
+          </a:prstGeom>
+        </p:spPr>
+        <p:style>
+          <a:lnRef idx="2">
+            <a:schemeClr val="accent1">
+              <a:shade val="50000"/>
+            </a:schemeClr>
+          </a:lnRef>
+          <a:fillRef idx="1">
+            <a:schemeClr val="accent1"/>
+          </a:fillRef>
+          <a:effectRef idx="0">
+            <a:schemeClr val="accent1"/>
+          </a:effectRef>
+          <a:fontRef idx="minor">
+            <a:schemeClr val="lt1"/>
+          </a:fontRef>
+        </p:style>
+        <p:txBody>
+          <a:bodyPr rtlCol="0" anchor="ctr"/>
+          <a:lstStyle/>
+          <a:p>
+            <a:pPr algn="ctr"/>
+            <a:r>
+              <a:rPr lang="nb-NO" dirty="0"/>
+              <a:t>Data</a:t>
+            </a:r>
+          </a:p>
+        </p:txBody>
+      </p:sp>
+      <p:sp>
+        <p:nvSpPr>
+          <p:cNvPr id="3" name="Rektangel 2">
+            <a:extLst>
+              <a:ext uri="{FF2B5EF4-FFF2-40B4-BE49-F238E27FC236}">
+                <a16:creationId xmlns:a16="http://schemas.microsoft.com/office/drawing/2014/main" id="{154F866F-F79A-B12A-C3E3-19443884B77F}"/>
+              </a:ext>
+            </a:extLst>
+          </p:cNvPr>
+          <p:cNvSpPr/>
+          <p:nvPr/>
+        </p:nvSpPr>
+        <p:spPr>
+          <a:xfrm>
+            <a:off x="2933700" y="1270006"/>
+            <a:ext cx="981075" cy="2158994"/>
+          </a:xfrm>
+          <a:prstGeom prst="rect">
+            <a:avLst/>
+          </a:prstGeom>
+          <a:solidFill>
+            <a:schemeClr val="accent6">
+              <a:lumMod val="40000"/>
+              <a:lumOff val="60000"/>
+            </a:schemeClr>
+          </a:solidFill>
+        </p:spPr>
+        <p:style>
+          <a:lnRef idx="2">
+            <a:schemeClr val="accent1">
+              <a:shade val="50000"/>
+            </a:schemeClr>
+          </a:lnRef>
+          <a:fillRef idx="1">
+            <a:schemeClr val="accent1"/>
+          </a:fillRef>
+          <a:effectRef idx="0">
+            <a:schemeClr val="accent1"/>
+          </a:effectRef>
+          <a:fontRef idx="minor">
+            <a:schemeClr val="lt1"/>
+          </a:fontRef>
+        </p:style>
+        <p:txBody>
+          <a:bodyPr rtlCol="0" anchor="ctr"/>
+          <a:lstStyle/>
+          <a:p>
+            <a:pPr algn="ctr"/>
+            <a:r>
+              <a:rPr lang="nb-NO" dirty="0">
+                <a:solidFill>
+                  <a:schemeClr val="tx1"/>
+                </a:solidFill>
+              </a:rPr>
+              <a:t>Trening</a:t>
+            </a:r>
+          </a:p>
+        </p:txBody>
+      </p:sp>
+      <p:sp>
+        <p:nvSpPr>
+          <p:cNvPr id="4" name="Rektangel 3">
+            <a:extLst>
+              <a:ext uri="{FF2B5EF4-FFF2-40B4-BE49-F238E27FC236}">
+                <a16:creationId xmlns:a16="http://schemas.microsoft.com/office/drawing/2014/main" id="{360AA8EA-40EB-546E-0817-FF9C95161C79}"/>
+              </a:ext>
+            </a:extLst>
+          </p:cNvPr>
+          <p:cNvSpPr/>
+          <p:nvPr/>
+        </p:nvSpPr>
+        <p:spPr>
+          <a:xfrm>
+            <a:off x="2933699" y="3638550"/>
+            <a:ext cx="981075" cy="504825"/>
+          </a:xfrm>
+          <a:prstGeom prst="rect">
+            <a:avLst/>
+          </a:prstGeom>
+          <a:solidFill>
+            <a:schemeClr val="accent2">
+              <a:lumMod val="40000"/>
+              <a:lumOff val="60000"/>
+            </a:schemeClr>
+          </a:solidFill>
+        </p:spPr>
+        <p:style>
+          <a:lnRef idx="2">
+            <a:schemeClr val="accent1">
+              <a:shade val="50000"/>
+            </a:schemeClr>
+          </a:lnRef>
+          <a:fillRef idx="1">
+            <a:schemeClr val="accent1"/>
+          </a:fillRef>
+          <a:effectRef idx="0">
+            <a:schemeClr val="accent1"/>
+          </a:effectRef>
+          <a:fontRef idx="minor">
+            <a:schemeClr val="lt1"/>
+          </a:fontRef>
+        </p:style>
+        <p:txBody>
+          <a:bodyPr rtlCol="0" anchor="ctr"/>
+          <a:lstStyle/>
+          <a:p>
+            <a:pPr algn="ctr"/>
+            <a:r>
+              <a:rPr lang="nb-NO" dirty="0">
+                <a:solidFill>
+                  <a:schemeClr val="tx1"/>
+                </a:solidFill>
+              </a:rPr>
+              <a:t>Test</a:t>
+            </a:r>
+          </a:p>
+        </p:txBody>
+      </p:sp>
+      <p:cxnSp>
+        <p:nvCxnSpPr>
+          <p:cNvPr id="6" name="Rett pilkobling 5">
+            <a:extLst>
+              <a:ext uri="{FF2B5EF4-FFF2-40B4-BE49-F238E27FC236}">
+                <a16:creationId xmlns:a16="http://schemas.microsoft.com/office/drawing/2014/main" id="{63A2F937-BD31-38C5-55B4-A3E9B3E9A72F}"/>
+              </a:ext>
+            </a:extLst>
+          </p:cNvPr>
+          <p:cNvCxnSpPr/>
+          <p:nvPr/>
+        </p:nvCxnSpPr>
+        <p:spPr>
+          <a:xfrm>
+            <a:off x="2143125" y="2164080"/>
+            <a:ext cx="790574" cy="0"/>
+          </a:xfrm>
+          <a:prstGeom prst="straightConnector1">
+            <a:avLst/>
+          </a:prstGeom>
+          <a:ln>
+            <a:solidFill>
+              <a:schemeClr val="tx1"/>
+            </a:solidFill>
+            <a:tailEnd type="triangle"/>
+          </a:ln>
+        </p:spPr>
+        <p:style>
+          <a:lnRef idx="1">
+            <a:schemeClr val="accent1"/>
+          </a:lnRef>
+          <a:fillRef idx="0">
+            <a:schemeClr val="accent1"/>
+          </a:fillRef>
+          <a:effectRef idx="0">
+            <a:schemeClr val="accent1"/>
+          </a:effectRef>
+          <a:fontRef idx="minor">
+            <a:schemeClr val="tx1"/>
+          </a:fontRef>
+        </p:style>
+      </p:cxnSp>
+      <p:cxnSp>
+        <p:nvCxnSpPr>
+          <p:cNvPr id="7" name="Rett pilkobling 6">
+            <a:extLst>
+              <a:ext uri="{FF2B5EF4-FFF2-40B4-BE49-F238E27FC236}">
+                <a16:creationId xmlns:a16="http://schemas.microsoft.com/office/drawing/2014/main" id="{6F92DC45-6A1E-C180-7A93-ED14DBD2AD65}"/>
+              </a:ext>
+            </a:extLst>
+          </p:cNvPr>
+          <p:cNvCxnSpPr/>
+          <p:nvPr/>
+        </p:nvCxnSpPr>
+        <p:spPr>
+          <a:xfrm>
+            <a:off x="2143125" y="3911600"/>
+            <a:ext cx="790574" cy="0"/>
+          </a:xfrm>
+          <a:prstGeom prst="straightConnector1">
+            <a:avLst/>
+          </a:prstGeom>
+          <a:ln>
+            <a:solidFill>
+              <a:schemeClr val="tx1"/>
+            </a:solidFill>
+            <a:tailEnd type="triangle"/>
+          </a:ln>
+        </p:spPr>
+        <p:style>
+          <a:lnRef idx="1">
+            <a:schemeClr val="accent1"/>
+          </a:lnRef>
+          <a:fillRef idx="0">
+            <a:schemeClr val="accent1"/>
+          </a:fillRef>
+          <a:effectRef idx="0">
+            <a:schemeClr val="accent1"/>
+          </a:effectRef>
+          <a:fontRef idx="minor">
+            <a:schemeClr val="tx1"/>
+          </a:fontRef>
+        </p:style>
+      </p:cxnSp>
+      <p:sp>
+        <p:nvSpPr>
+          <p:cNvPr id="8" name="TekstSylinder 7">
+            <a:extLst>
+              <a:ext uri="{FF2B5EF4-FFF2-40B4-BE49-F238E27FC236}">
+                <a16:creationId xmlns:a16="http://schemas.microsoft.com/office/drawing/2014/main" id="{4BDD51A8-4089-8E32-875B-C29358827791}"/>
+              </a:ext>
+            </a:extLst>
+          </p:cNvPr>
+          <p:cNvSpPr txBox="1"/>
+          <p:nvPr/>
+        </p:nvSpPr>
+        <p:spPr>
+          <a:xfrm>
+            <a:off x="2246505" y="1794748"/>
+            <a:ext cx="583814" cy="369332"/>
+          </a:xfrm>
+          <a:prstGeom prst="rect">
+            <a:avLst/>
+          </a:prstGeom>
+          <a:noFill/>
+        </p:spPr>
+        <p:txBody>
+          <a:bodyPr wrap="none" rtlCol="0">
+            <a:spAutoFit/>
+          </a:bodyPr>
+          <a:lstStyle/>
+          <a:p>
+            <a:r>
+              <a:rPr lang="nb-NO" dirty="0"/>
+              <a:t>80%</a:t>
+            </a:r>
+          </a:p>
+        </p:txBody>
+      </p:sp>
+      <p:sp>
+        <p:nvSpPr>
+          <p:cNvPr id="9" name="TekstSylinder 8">
+            <a:extLst>
+              <a:ext uri="{FF2B5EF4-FFF2-40B4-BE49-F238E27FC236}">
+                <a16:creationId xmlns:a16="http://schemas.microsoft.com/office/drawing/2014/main" id="{94F4E8AC-206C-1323-4C45-2F3D5901AB46}"/>
+              </a:ext>
+            </a:extLst>
+          </p:cNvPr>
+          <p:cNvSpPr txBox="1"/>
+          <p:nvPr/>
+        </p:nvSpPr>
+        <p:spPr>
+          <a:xfrm>
+            <a:off x="2246505" y="3542267"/>
+            <a:ext cx="583814" cy="369332"/>
+          </a:xfrm>
+          <a:prstGeom prst="rect">
+            <a:avLst/>
+          </a:prstGeom>
+          <a:noFill/>
+        </p:spPr>
+        <p:txBody>
+          <a:bodyPr wrap="none" rtlCol="0">
+            <a:spAutoFit/>
+          </a:bodyPr>
+          <a:lstStyle/>
+          <a:p>
+            <a:r>
+              <a:rPr lang="nb-NO" dirty="0"/>
+              <a:t>20%</a:t>
+            </a:r>
+          </a:p>
+        </p:txBody>
+      </p:sp>
+      <p:sp>
+        <p:nvSpPr>
+          <p:cNvPr id="10" name="Rektangel 9">
+            <a:extLst>
+              <a:ext uri="{FF2B5EF4-FFF2-40B4-BE49-F238E27FC236}">
+                <a16:creationId xmlns:a16="http://schemas.microsoft.com/office/drawing/2014/main" id="{D34FB0CC-1168-3C27-BF9B-CE246EAD0B15}"/>
+              </a:ext>
+            </a:extLst>
+          </p:cNvPr>
+          <p:cNvSpPr/>
+          <p:nvPr/>
+        </p:nvSpPr>
+        <p:spPr>
+          <a:xfrm>
+            <a:off x="4730316" y="1270006"/>
+            <a:ext cx="981075" cy="372348"/>
+          </a:xfrm>
+          <a:prstGeom prst="rect">
+            <a:avLst/>
+          </a:prstGeom>
+          <a:solidFill>
+            <a:schemeClr val="accent4">
+              <a:lumMod val="20000"/>
+              <a:lumOff val="80000"/>
+            </a:schemeClr>
+          </a:solidFill>
+        </p:spPr>
+        <p:style>
+          <a:lnRef idx="2">
+            <a:schemeClr val="accent1">
+              <a:shade val="50000"/>
+            </a:schemeClr>
+          </a:lnRef>
+          <a:fillRef idx="1">
+            <a:schemeClr val="accent1"/>
+          </a:fillRef>
+          <a:effectRef idx="0">
+            <a:schemeClr val="accent1"/>
+          </a:effectRef>
+          <a:fontRef idx="minor">
+            <a:schemeClr val="lt1"/>
+          </a:fontRef>
+        </p:style>
+        <p:txBody>
+          <a:bodyPr rtlCol="0" anchor="ctr"/>
+          <a:lstStyle/>
+          <a:p>
+            <a:pPr algn="ctr"/>
+            <a:r>
+              <a:rPr lang="nb-NO" dirty="0">
+                <a:solidFill>
+                  <a:schemeClr val="tx1"/>
+                </a:solidFill>
+              </a:rPr>
+              <a:t>Utvalg 1</a:t>
+            </a:r>
+          </a:p>
+        </p:txBody>
+      </p:sp>
+      <p:sp>
+        <p:nvSpPr>
+          <p:cNvPr id="11" name="Rektangel 10">
+            <a:extLst>
+              <a:ext uri="{FF2B5EF4-FFF2-40B4-BE49-F238E27FC236}">
+                <a16:creationId xmlns:a16="http://schemas.microsoft.com/office/drawing/2014/main" id="{C6D4A49C-42A6-BCE2-A21D-EB7009C72B9A}"/>
+              </a:ext>
+            </a:extLst>
+          </p:cNvPr>
+          <p:cNvSpPr/>
+          <p:nvPr/>
+        </p:nvSpPr>
+        <p:spPr>
+          <a:xfrm>
+            <a:off x="4730316" y="1864523"/>
+            <a:ext cx="981075" cy="372348"/>
+          </a:xfrm>
+          <a:prstGeom prst="rect">
+            <a:avLst/>
+          </a:prstGeom>
+          <a:solidFill>
+            <a:schemeClr val="accent4">
+              <a:lumMod val="20000"/>
+              <a:lumOff val="80000"/>
+            </a:schemeClr>
+          </a:solidFill>
+        </p:spPr>
+        <p:style>
+          <a:lnRef idx="2">
+            <a:schemeClr val="accent1">
+              <a:shade val="50000"/>
+            </a:schemeClr>
+          </a:lnRef>
+          <a:fillRef idx="1">
+            <a:schemeClr val="accent1"/>
+          </a:fillRef>
+          <a:effectRef idx="0">
+            <a:schemeClr val="accent1"/>
+          </a:effectRef>
+          <a:fontRef idx="minor">
+            <a:schemeClr val="lt1"/>
+          </a:fontRef>
+        </p:style>
+        <p:txBody>
+          <a:bodyPr rtlCol="0" anchor="ctr"/>
+          <a:lstStyle/>
+          <a:p>
+            <a:pPr algn="ctr"/>
+            <a:r>
+              <a:rPr lang="nb-NO" dirty="0">
+                <a:solidFill>
+                  <a:schemeClr val="tx1"/>
+                </a:solidFill>
+              </a:rPr>
+              <a:t>Utvalg 2</a:t>
+            </a:r>
+          </a:p>
+        </p:txBody>
+      </p:sp>
+      <p:sp>
+        <p:nvSpPr>
+          <p:cNvPr id="12" name="Rektangel 11">
+            <a:extLst>
+              <a:ext uri="{FF2B5EF4-FFF2-40B4-BE49-F238E27FC236}">
+                <a16:creationId xmlns:a16="http://schemas.microsoft.com/office/drawing/2014/main" id="{354FB7C8-9BBC-93E5-A54C-1524261C454A}"/>
+              </a:ext>
+            </a:extLst>
+          </p:cNvPr>
+          <p:cNvSpPr/>
+          <p:nvPr/>
+        </p:nvSpPr>
+        <p:spPr>
+          <a:xfrm>
+            <a:off x="4728929" y="2456368"/>
+            <a:ext cx="981075" cy="372348"/>
+          </a:xfrm>
+          <a:prstGeom prst="rect">
+            <a:avLst/>
+          </a:prstGeom>
+          <a:solidFill>
+            <a:schemeClr val="accent4">
+              <a:lumMod val="20000"/>
+              <a:lumOff val="80000"/>
+            </a:schemeClr>
+          </a:solidFill>
+        </p:spPr>
+        <p:style>
+          <a:lnRef idx="2">
+            <a:schemeClr val="accent1">
+              <a:shade val="50000"/>
+            </a:schemeClr>
+          </a:lnRef>
+          <a:fillRef idx="1">
+            <a:schemeClr val="accent1"/>
+          </a:fillRef>
+          <a:effectRef idx="0">
+            <a:schemeClr val="accent1"/>
+          </a:effectRef>
+          <a:fontRef idx="minor">
+            <a:schemeClr val="lt1"/>
+          </a:fontRef>
+        </p:style>
+        <p:txBody>
+          <a:bodyPr rtlCol="0" anchor="ctr"/>
+          <a:lstStyle/>
+          <a:p>
+            <a:pPr algn="ctr"/>
+            <a:r>
+              <a:rPr lang="nb-NO" dirty="0">
+                <a:solidFill>
+                  <a:schemeClr val="tx1"/>
+                </a:solidFill>
+              </a:rPr>
+              <a:t>Utvalg 3</a:t>
+            </a:r>
+          </a:p>
+        </p:txBody>
+      </p:sp>
+      <p:sp>
+        <p:nvSpPr>
+          <p:cNvPr id="13" name="Rektangel 12">
+            <a:extLst>
+              <a:ext uri="{FF2B5EF4-FFF2-40B4-BE49-F238E27FC236}">
+                <a16:creationId xmlns:a16="http://schemas.microsoft.com/office/drawing/2014/main" id="{3F65C256-F8E8-1FFB-5574-CC06A151AFFB}"/>
+              </a:ext>
+            </a:extLst>
+          </p:cNvPr>
+          <p:cNvSpPr/>
+          <p:nvPr/>
+        </p:nvSpPr>
+        <p:spPr>
+          <a:xfrm>
+            <a:off x="4728928" y="3048213"/>
+            <a:ext cx="981075" cy="372348"/>
+          </a:xfrm>
+          <a:prstGeom prst="rect">
+            <a:avLst/>
+          </a:prstGeom>
+          <a:solidFill>
+            <a:schemeClr val="accent4">
+              <a:lumMod val="20000"/>
+              <a:lumOff val="80000"/>
+            </a:schemeClr>
+          </a:solidFill>
+        </p:spPr>
+        <p:style>
+          <a:lnRef idx="2">
+            <a:schemeClr val="accent1">
+              <a:shade val="50000"/>
+            </a:schemeClr>
+          </a:lnRef>
+          <a:fillRef idx="1">
+            <a:schemeClr val="accent1"/>
+          </a:fillRef>
+          <a:effectRef idx="0">
+            <a:schemeClr val="accent1"/>
+          </a:effectRef>
+          <a:fontRef idx="minor">
+            <a:schemeClr val="lt1"/>
+          </a:fontRef>
+        </p:style>
+        <p:txBody>
+          <a:bodyPr rtlCol="0" anchor="ctr"/>
+          <a:lstStyle/>
+          <a:p>
+            <a:pPr algn="ctr"/>
+            <a:r>
+              <a:rPr lang="nb-NO" dirty="0">
+                <a:solidFill>
+                  <a:schemeClr val="tx1"/>
+                </a:solidFill>
+              </a:rPr>
+              <a:t>Utvalg k</a:t>
+            </a:r>
+          </a:p>
+        </p:txBody>
+      </p:sp>
+      <p:sp>
+        <p:nvSpPr>
+          <p:cNvPr id="14" name="Høyre klammeparentes 13">
+            <a:extLst>
+              <a:ext uri="{FF2B5EF4-FFF2-40B4-BE49-F238E27FC236}">
+                <a16:creationId xmlns:a16="http://schemas.microsoft.com/office/drawing/2014/main" id="{F9B75BEE-9EFD-144E-CCC8-86A080C594CB}"/>
+              </a:ext>
+            </a:extLst>
+          </p:cNvPr>
+          <p:cNvSpPr/>
+          <p:nvPr/>
+        </p:nvSpPr>
+        <p:spPr>
+          <a:xfrm>
+            <a:off x="4010024" y="1270006"/>
+            <a:ext cx="175896" cy="2158994"/>
+          </a:xfrm>
+          <a:prstGeom prst="rightBrace">
+            <a:avLst/>
+          </a:prstGeom>
+          <a:ln>
+            <a:solidFill>
+              <a:schemeClr val="tx1"/>
+            </a:solidFill>
+          </a:ln>
+        </p:spPr>
+        <p:style>
+          <a:lnRef idx="1">
+            <a:schemeClr val="accent1"/>
+          </a:lnRef>
+          <a:fillRef idx="0">
+            <a:schemeClr val="accent1"/>
+          </a:fillRef>
+          <a:effectRef idx="0">
+            <a:schemeClr val="accent1"/>
+          </a:effectRef>
+          <a:fontRef idx="minor">
+            <a:schemeClr val="tx1"/>
+          </a:fontRef>
+        </p:style>
+        <p:txBody>
+          <a:bodyPr rtlCol="0" anchor="ctr"/>
+          <a:lstStyle/>
+          <a:p>
+            <a:pPr algn="ctr"/>
+            <a:endParaRPr lang="nb-NO"/>
+          </a:p>
+        </p:txBody>
+      </p:sp>
+      <p:sp>
+        <p:nvSpPr>
+          <p:cNvPr id="15" name="TekstSylinder 14">
+            <a:extLst>
+              <a:ext uri="{FF2B5EF4-FFF2-40B4-BE49-F238E27FC236}">
+                <a16:creationId xmlns:a16="http://schemas.microsoft.com/office/drawing/2014/main" id="{F2A643C3-5437-40DE-C8EB-185AF3D3A900}"/>
+              </a:ext>
+            </a:extLst>
+          </p:cNvPr>
+          <p:cNvSpPr txBox="1"/>
+          <p:nvPr/>
+        </p:nvSpPr>
+        <p:spPr>
+          <a:xfrm>
+            <a:off x="4170898" y="1467445"/>
+            <a:ext cx="381836" cy="1754326"/>
+          </a:xfrm>
+          <a:prstGeom prst="rect">
+            <a:avLst/>
+          </a:prstGeom>
+          <a:noFill/>
+        </p:spPr>
+        <p:txBody>
+          <a:bodyPr wrap="none" rtlCol="0">
+            <a:spAutoFit/>
+          </a:bodyPr>
+          <a:lstStyle/>
+          <a:p>
+            <a:r>
+              <a:rPr lang="nb-NO" dirty="0"/>
+              <a:t>R</a:t>
+            </a:r>
+          </a:p>
+          <a:p>
+            <a:r>
+              <a:rPr lang="nb-NO" dirty="0"/>
+              <a:t>A</a:t>
+            </a:r>
+          </a:p>
+          <a:p>
+            <a:r>
+              <a:rPr lang="nb-NO" dirty="0"/>
+              <a:t>N</a:t>
+            </a:r>
+          </a:p>
+          <a:p>
+            <a:r>
+              <a:rPr lang="nb-NO" dirty="0"/>
+              <a:t>D</a:t>
+            </a:r>
+          </a:p>
+          <a:p>
+            <a:r>
+              <a:rPr lang="nb-NO" dirty="0"/>
+              <a:t>O</a:t>
+            </a:r>
+          </a:p>
+          <a:p>
+            <a:r>
+              <a:rPr lang="nb-NO" dirty="0"/>
+              <a:t>M</a:t>
+            </a:r>
+          </a:p>
+        </p:txBody>
+      </p:sp>
+      <p:sp>
+        <p:nvSpPr>
+          <p:cNvPr id="16" name="Høyre klammeparentes 15">
+            <a:extLst>
+              <a:ext uri="{FF2B5EF4-FFF2-40B4-BE49-F238E27FC236}">
+                <a16:creationId xmlns:a16="http://schemas.microsoft.com/office/drawing/2014/main" id="{7A99C063-FD45-7F71-1712-6F8F4E328A45}"/>
+              </a:ext>
+            </a:extLst>
+          </p:cNvPr>
+          <p:cNvSpPr/>
+          <p:nvPr/>
+        </p:nvSpPr>
+        <p:spPr>
+          <a:xfrm>
+            <a:off x="5889624" y="1270006"/>
+            <a:ext cx="175896" cy="2158994"/>
+          </a:xfrm>
+          <a:prstGeom prst="rightBrace">
+            <a:avLst/>
+          </a:prstGeom>
+          <a:ln>
+            <a:solidFill>
+              <a:schemeClr val="tx1"/>
+            </a:solidFill>
+          </a:ln>
+        </p:spPr>
+        <p:style>
+          <a:lnRef idx="1">
+            <a:schemeClr val="accent1"/>
+          </a:lnRef>
+          <a:fillRef idx="0">
+            <a:schemeClr val="accent1"/>
+          </a:fillRef>
+          <a:effectRef idx="0">
+            <a:schemeClr val="accent1"/>
+          </a:effectRef>
+          <a:fontRef idx="minor">
+            <a:schemeClr val="tx1"/>
+          </a:fontRef>
+        </p:style>
+        <p:txBody>
+          <a:bodyPr rtlCol="0" anchor="ctr"/>
+          <a:lstStyle/>
+          <a:p>
+            <a:pPr algn="ctr"/>
+            <a:endParaRPr lang="nb-NO"/>
+          </a:p>
+        </p:txBody>
+      </p:sp>
+      <p:sp>
+        <p:nvSpPr>
+          <p:cNvPr id="17" name="Rektangel 16">
+            <a:extLst>
+              <a:ext uri="{FF2B5EF4-FFF2-40B4-BE49-F238E27FC236}">
+                <a16:creationId xmlns:a16="http://schemas.microsoft.com/office/drawing/2014/main" id="{E723FD64-8963-D6A1-7D44-25A053343BBD}"/>
+              </a:ext>
+            </a:extLst>
+          </p:cNvPr>
+          <p:cNvSpPr/>
+          <p:nvPr/>
+        </p:nvSpPr>
+        <p:spPr>
+          <a:xfrm>
+            <a:off x="6431282" y="1794748"/>
+            <a:ext cx="1076324" cy="1123629"/>
+          </a:xfrm>
+          <a:prstGeom prst="rect">
+            <a:avLst/>
+          </a:prstGeom>
+          <a:solidFill>
+            <a:schemeClr val="bg2">
+              <a:lumMod val="90000"/>
+            </a:schemeClr>
+          </a:solidFill>
+        </p:spPr>
+        <p:style>
+          <a:lnRef idx="2">
+            <a:schemeClr val="accent1">
+              <a:shade val="50000"/>
+            </a:schemeClr>
+          </a:lnRef>
+          <a:fillRef idx="1">
+            <a:schemeClr val="accent1"/>
+          </a:fillRef>
+          <a:effectRef idx="0">
+            <a:schemeClr val="accent1"/>
+          </a:effectRef>
+          <a:fontRef idx="minor">
+            <a:schemeClr val="lt1"/>
+          </a:fontRef>
+        </p:style>
+        <p:txBody>
+          <a:bodyPr rtlCol="0" anchor="ctr"/>
+          <a:lstStyle/>
+          <a:p>
+            <a:pPr algn="ctr"/>
+            <a:r>
+              <a:rPr lang="nb-NO" dirty="0">
+                <a:solidFill>
+                  <a:schemeClr val="tx1"/>
+                </a:solidFill>
+              </a:rPr>
+              <a:t>Bygge modell og trene</a:t>
+            </a:r>
+          </a:p>
+        </p:txBody>
+      </p:sp>
+      <p:sp>
+        <p:nvSpPr>
+          <p:cNvPr id="18" name="Rektangel 17">
+            <a:extLst>
+              <a:ext uri="{FF2B5EF4-FFF2-40B4-BE49-F238E27FC236}">
+                <a16:creationId xmlns:a16="http://schemas.microsoft.com/office/drawing/2014/main" id="{C7D42DFC-6CA3-9CAC-C55C-2EEA7438227B}"/>
+              </a:ext>
+            </a:extLst>
+          </p:cNvPr>
+          <p:cNvSpPr/>
+          <p:nvPr/>
+        </p:nvSpPr>
+        <p:spPr>
+          <a:xfrm>
+            <a:off x="6431282" y="3638549"/>
+            <a:ext cx="1076324" cy="504825"/>
+          </a:xfrm>
+          <a:prstGeom prst="rect">
+            <a:avLst/>
+          </a:prstGeom>
+          <a:solidFill>
+            <a:schemeClr val="bg2">
+              <a:lumMod val="90000"/>
+            </a:schemeClr>
+          </a:solidFill>
+        </p:spPr>
+        <p:style>
+          <a:lnRef idx="2">
+            <a:schemeClr val="accent1">
+              <a:shade val="50000"/>
+            </a:schemeClr>
+          </a:lnRef>
+          <a:fillRef idx="1">
+            <a:schemeClr val="accent1"/>
+          </a:fillRef>
+          <a:effectRef idx="0">
+            <a:schemeClr val="accent1"/>
+          </a:effectRef>
+          <a:fontRef idx="minor">
+            <a:schemeClr val="lt1"/>
+          </a:fontRef>
+        </p:style>
+        <p:txBody>
+          <a:bodyPr rtlCol="0" anchor="ctr"/>
+          <a:lstStyle/>
+          <a:p>
+            <a:pPr algn="ctr"/>
+            <a:r>
+              <a:rPr lang="nb-NO" dirty="0">
+                <a:solidFill>
+                  <a:schemeClr val="tx1"/>
+                </a:solidFill>
+              </a:rPr>
+              <a:t>Evaluere</a:t>
+            </a:r>
+          </a:p>
+        </p:txBody>
+      </p:sp>
+      <p:cxnSp>
+        <p:nvCxnSpPr>
+          <p:cNvPr id="20" name="Rett pilkobling 19">
+            <a:extLst>
+              <a:ext uri="{FF2B5EF4-FFF2-40B4-BE49-F238E27FC236}">
+                <a16:creationId xmlns:a16="http://schemas.microsoft.com/office/drawing/2014/main" id="{D2F855F0-6D24-975E-724E-703CB6EB27E9}"/>
+              </a:ext>
+            </a:extLst>
+          </p:cNvPr>
+          <p:cNvCxnSpPr>
+            <a:cxnSpLocks/>
+            <a:stCxn id="17" idx="2"/>
+            <a:endCxn id="18" idx="0"/>
+          </p:cNvCxnSpPr>
+          <p:nvPr/>
+        </p:nvCxnSpPr>
+        <p:spPr>
+          <a:xfrm>
+            <a:off x="6969444" y="2918377"/>
+            <a:ext cx="0" cy="720172"/>
+          </a:xfrm>
+          <a:prstGeom prst="straightConnector1">
+            <a:avLst/>
+          </a:prstGeom>
+          <a:ln>
+            <a:solidFill>
+              <a:schemeClr val="tx1"/>
+            </a:solidFill>
+            <a:tailEnd type="triangle"/>
+          </a:ln>
+        </p:spPr>
+        <p:style>
+          <a:lnRef idx="1">
+            <a:schemeClr val="accent1"/>
+          </a:lnRef>
+          <a:fillRef idx="0">
+            <a:schemeClr val="accent1"/>
+          </a:fillRef>
+          <a:effectRef idx="0">
+            <a:schemeClr val="accent1"/>
+          </a:effectRef>
+          <a:fontRef idx="minor">
+            <a:schemeClr val="tx1"/>
+          </a:fontRef>
+        </p:style>
+      </p:cxnSp>
+      <p:cxnSp>
+        <p:nvCxnSpPr>
+          <p:cNvPr id="23" name="Rett pilkobling 22">
+            <a:extLst>
+              <a:ext uri="{FF2B5EF4-FFF2-40B4-BE49-F238E27FC236}">
+                <a16:creationId xmlns:a16="http://schemas.microsoft.com/office/drawing/2014/main" id="{C8DFA147-A311-2674-45E7-3D2D0BFA982E}"/>
+              </a:ext>
+            </a:extLst>
+          </p:cNvPr>
+          <p:cNvCxnSpPr>
+            <a:stCxn id="4" idx="3"/>
+            <a:endCxn id="18" idx="1"/>
+          </p:cNvCxnSpPr>
+          <p:nvPr/>
+        </p:nvCxnSpPr>
+        <p:spPr>
+          <a:xfrm flipV="1">
+            <a:off x="3914774" y="3890962"/>
+            <a:ext cx="2516508" cy="1"/>
+          </a:xfrm>
+          <a:prstGeom prst="straightConnector1">
+            <a:avLst/>
+          </a:prstGeom>
+          <a:ln>
+            <a:solidFill>
+              <a:schemeClr val="tx1"/>
+            </a:solidFill>
+            <a:tailEnd type="triangle"/>
+          </a:ln>
+        </p:spPr>
+        <p:style>
+          <a:lnRef idx="1">
+            <a:schemeClr val="accent1"/>
+          </a:lnRef>
+          <a:fillRef idx="0">
+            <a:schemeClr val="accent1"/>
+          </a:fillRef>
+          <a:effectRef idx="0">
+            <a:schemeClr val="accent1"/>
+          </a:effectRef>
+          <a:fontRef idx="minor">
+            <a:schemeClr val="tx1"/>
+          </a:fontRef>
+        </p:style>
+      </p:cxnSp>
+      <p:sp>
+        <p:nvSpPr>
+          <p:cNvPr id="24" name="Høyre klammeparentes 23">
+            <a:extLst>
+              <a:ext uri="{FF2B5EF4-FFF2-40B4-BE49-F238E27FC236}">
+                <a16:creationId xmlns:a16="http://schemas.microsoft.com/office/drawing/2014/main" id="{5B2EA20E-3F88-5C6D-397D-753506133640}"/>
+              </a:ext>
+            </a:extLst>
+          </p:cNvPr>
+          <p:cNvSpPr/>
+          <p:nvPr/>
+        </p:nvSpPr>
+        <p:spPr>
+          <a:xfrm rot="10800000">
+            <a:off x="4461507" y="1277065"/>
+            <a:ext cx="175896" cy="2158994"/>
+          </a:xfrm>
+          <a:prstGeom prst="rightBrace">
+            <a:avLst/>
+          </a:prstGeom>
+          <a:ln>
+            <a:solidFill>
+              <a:schemeClr val="tx1"/>
+            </a:solidFill>
+          </a:ln>
+        </p:spPr>
+        <p:style>
+          <a:lnRef idx="1">
+            <a:schemeClr val="accent1"/>
+          </a:lnRef>
+          <a:fillRef idx="0">
+            <a:schemeClr val="accent1"/>
+          </a:fillRef>
+          <a:effectRef idx="0">
+            <a:schemeClr val="accent1"/>
+          </a:effectRef>
+          <a:fontRef idx="minor">
+            <a:schemeClr val="tx1"/>
+          </a:fontRef>
+        </p:style>
+        <p:txBody>
+          <a:bodyPr rtlCol="0" anchor="ctr"/>
+          <a:lstStyle/>
+          <a:p>
+            <a:pPr algn="ctr"/>
+            <a:endParaRPr lang="nb-NO"/>
+          </a:p>
+        </p:txBody>
+      </p:sp>
+      <p:sp>
+        <p:nvSpPr>
+          <p:cNvPr id="25" name="TekstSylinder 24">
+            <a:extLst>
+              <a:ext uri="{FF2B5EF4-FFF2-40B4-BE49-F238E27FC236}">
+                <a16:creationId xmlns:a16="http://schemas.microsoft.com/office/drawing/2014/main" id="{AB81C263-5D7C-ADA2-9800-DCD997F2F191}"/>
+              </a:ext>
+            </a:extLst>
+          </p:cNvPr>
+          <p:cNvSpPr txBox="1"/>
+          <p:nvPr/>
+        </p:nvSpPr>
+        <p:spPr>
+          <a:xfrm>
+            <a:off x="2371636" y="2167477"/>
+            <a:ext cx="338554" cy="1384995"/>
+          </a:xfrm>
+          <a:prstGeom prst="rect">
+            <a:avLst/>
+          </a:prstGeom>
+          <a:noFill/>
+        </p:spPr>
+        <p:txBody>
+          <a:bodyPr wrap="none" rtlCol="0">
+            <a:spAutoFit/>
+          </a:bodyPr>
+          <a:lstStyle/>
+          <a:p>
+            <a:r>
+              <a:rPr lang="nb-NO" sz="1400" dirty="0"/>
+              <a:t>R</a:t>
+            </a:r>
+          </a:p>
+          <a:p>
+            <a:r>
+              <a:rPr lang="nb-NO" sz="1400" dirty="0"/>
+              <a:t>A</a:t>
+            </a:r>
+          </a:p>
+          <a:p>
+            <a:r>
+              <a:rPr lang="nb-NO" sz="1400" dirty="0"/>
+              <a:t>N</a:t>
+            </a:r>
+          </a:p>
+          <a:p>
+            <a:r>
+              <a:rPr lang="nb-NO" sz="1400" dirty="0"/>
+              <a:t>D</a:t>
+            </a:r>
+          </a:p>
+          <a:p>
+            <a:r>
+              <a:rPr lang="nb-NO" sz="1400" dirty="0"/>
+              <a:t>O</a:t>
+            </a:r>
+          </a:p>
+          <a:p>
+            <a:r>
+              <a:rPr lang="nb-NO" sz="1400" dirty="0"/>
+              <a:t>M</a:t>
+            </a:r>
+          </a:p>
+        </p:txBody>
+      </p:sp>
+    </p:spTree>
+    <p:extLst>
+      <p:ext uri="{BB962C8B-B14F-4D97-AF65-F5344CB8AC3E}">
+        <p14:creationId xmlns:p14="http://schemas.microsoft.com/office/powerpoint/2010/main" val="3627829201"/>
       </p:ext>
     </p:extLst>
   </p:cSld>
@@ -19682,6 +22300,1659 @@
     <p:extLst>
       <p:ext uri="{BB962C8B-B14F-4D97-AF65-F5344CB8AC3E}">
         <p14:creationId xmlns:p14="http://schemas.microsoft.com/office/powerpoint/2010/main" val="157697457"/>
+      </p:ext>
+    </p:extLst>
+  </p:cSld>
+  <p:clrMapOvr>
+    <a:masterClrMapping/>
+  </p:clrMapOvr>
+</p:sld>
+</file>
+
+<file path=ppt/slides/slide8.xml><?xml version="1.0" encoding="utf-8"?>
+<p:sld xmlns:a="http://schemas.openxmlformats.org/drawingml/2006/main" xmlns:r="http://schemas.openxmlformats.org/officeDocument/2006/relationships" xmlns:p="http://schemas.openxmlformats.org/presentationml/2006/main">
+  <p:cSld>
+    <p:spTree>
+      <p:nvGrpSpPr>
+        <p:cNvPr id="1" name=""/>
+        <p:cNvGrpSpPr/>
+        <p:nvPr/>
+      </p:nvGrpSpPr>
+      <p:grpSpPr>
+        <a:xfrm>
+          <a:off x="0" y="0"/>
+          <a:ext cx="0" cy="0"/>
+          <a:chOff x="0" y="0"/>
+          <a:chExt cx="0" cy="0"/>
+        </a:xfrm>
+      </p:grpSpPr>
+      <p:sp>
+        <p:nvSpPr>
+          <p:cNvPr id="2" name="Ellipse 1">
+            <a:extLst>
+              <a:ext uri="{FF2B5EF4-FFF2-40B4-BE49-F238E27FC236}">
+                <a16:creationId xmlns:a16="http://schemas.microsoft.com/office/drawing/2014/main" id="{40C98EE0-2C61-5C88-AC5B-A7AD58BE40A3}"/>
+              </a:ext>
+            </a:extLst>
+          </p:cNvPr>
+          <p:cNvSpPr/>
+          <p:nvPr/>
+        </p:nvSpPr>
+        <p:spPr>
+          <a:xfrm>
+            <a:off x="7581899" y="2771774"/>
+            <a:ext cx="1057275" cy="1038225"/>
+          </a:xfrm>
+          <a:prstGeom prst="ellipse">
+            <a:avLst/>
+          </a:prstGeom>
+        </p:spPr>
+        <p:style>
+          <a:lnRef idx="2">
+            <a:schemeClr val="accent1">
+              <a:shade val="50000"/>
+            </a:schemeClr>
+          </a:lnRef>
+          <a:fillRef idx="1">
+            <a:schemeClr val="accent1"/>
+          </a:fillRef>
+          <a:effectRef idx="0">
+            <a:schemeClr val="accent1"/>
+          </a:effectRef>
+          <a:fontRef idx="minor">
+            <a:schemeClr val="lt1"/>
+          </a:fontRef>
+        </p:style>
+        <p:txBody>
+          <a:bodyPr rtlCol="0" anchor="ctr"/>
+          <a:lstStyle/>
+          <a:p>
+            <a:pPr algn="ctr"/>
+            <a:r>
+              <a:rPr lang="nb-NO" dirty="0"/>
+              <a:t>SPSS angst</a:t>
+            </a:r>
+          </a:p>
+        </p:txBody>
+      </p:sp>
+      <p:sp>
+        <p:nvSpPr>
+          <p:cNvPr id="3" name="Rektangel 2">
+            <a:extLst>
+              <a:ext uri="{FF2B5EF4-FFF2-40B4-BE49-F238E27FC236}">
+                <a16:creationId xmlns:a16="http://schemas.microsoft.com/office/drawing/2014/main" id="{420F3FDF-A530-F60A-B037-C95970F2A4CC}"/>
+              </a:ext>
+            </a:extLst>
+          </p:cNvPr>
+          <p:cNvSpPr/>
+          <p:nvPr/>
+        </p:nvSpPr>
+        <p:spPr>
+          <a:xfrm>
+            <a:off x="4371975" y="1752600"/>
+            <a:ext cx="1323975" cy="638175"/>
+          </a:xfrm>
+          <a:prstGeom prst="rect">
+            <a:avLst/>
+          </a:prstGeom>
+          <a:noFill/>
+        </p:spPr>
+        <p:style>
+          <a:lnRef idx="2">
+            <a:schemeClr val="accent1">
+              <a:shade val="50000"/>
+            </a:schemeClr>
+          </a:lnRef>
+          <a:fillRef idx="1">
+            <a:schemeClr val="accent1"/>
+          </a:fillRef>
+          <a:effectRef idx="0">
+            <a:schemeClr val="accent1"/>
+          </a:effectRef>
+          <a:fontRef idx="minor">
+            <a:schemeClr val="lt1"/>
+          </a:fontRef>
+        </p:style>
+        <p:txBody>
+          <a:bodyPr rtlCol="0" anchor="ctr"/>
+          <a:lstStyle/>
+          <a:p>
+            <a:pPr algn="ctr"/>
+            <a:r>
+              <a:rPr lang="nb-NO" dirty="0">
+                <a:solidFill>
+                  <a:schemeClr val="tx1"/>
+                </a:solidFill>
+              </a:rPr>
+              <a:t>Spm 3</a:t>
+            </a:r>
+          </a:p>
+        </p:txBody>
+      </p:sp>
+      <p:sp>
+        <p:nvSpPr>
+          <p:cNvPr id="4" name="Rektangel 3">
+            <a:extLst>
+              <a:ext uri="{FF2B5EF4-FFF2-40B4-BE49-F238E27FC236}">
+                <a16:creationId xmlns:a16="http://schemas.microsoft.com/office/drawing/2014/main" id="{139804F7-0B5B-C5FD-FFA2-880E752B3803}"/>
+              </a:ext>
+            </a:extLst>
+          </p:cNvPr>
+          <p:cNvSpPr/>
+          <p:nvPr/>
+        </p:nvSpPr>
+        <p:spPr>
+          <a:xfrm>
+            <a:off x="4371972" y="2971798"/>
+            <a:ext cx="1323975" cy="638175"/>
+          </a:xfrm>
+          <a:prstGeom prst="rect">
+            <a:avLst/>
+          </a:prstGeom>
+          <a:noFill/>
+        </p:spPr>
+        <p:style>
+          <a:lnRef idx="2">
+            <a:schemeClr val="accent1">
+              <a:shade val="50000"/>
+            </a:schemeClr>
+          </a:lnRef>
+          <a:fillRef idx="1">
+            <a:schemeClr val="accent1"/>
+          </a:fillRef>
+          <a:effectRef idx="0">
+            <a:schemeClr val="accent1"/>
+          </a:effectRef>
+          <a:fontRef idx="minor">
+            <a:schemeClr val="lt1"/>
+          </a:fontRef>
+        </p:style>
+        <p:txBody>
+          <a:bodyPr rtlCol="0" anchor="ctr"/>
+          <a:lstStyle/>
+          <a:p>
+            <a:pPr algn="ctr"/>
+            <a:r>
+              <a:rPr lang="nb-NO" dirty="0">
+                <a:solidFill>
+                  <a:schemeClr val="tx1"/>
+                </a:solidFill>
+              </a:rPr>
+              <a:t>Spm 4</a:t>
+            </a:r>
+          </a:p>
+        </p:txBody>
+      </p:sp>
+      <p:sp>
+        <p:nvSpPr>
+          <p:cNvPr id="5" name="Rektangel 4">
+            <a:extLst>
+              <a:ext uri="{FF2B5EF4-FFF2-40B4-BE49-F238E27FC236}">
+                <a16:creationId xmlns:a16="http://schemas.microsoft.com/office/drawing/2014/main" id="{6F5A0368-BF76-8116-F851-D282F906A9D6}"/>
+              </a:ext>
+            </a:extLst>
+          </p:cNvPr>
+          <p:cNvSpPr/>
+          <p:nvPr/>
+        </p:nvSpPr>
+        <p:spPr>
+          <a:xfrm>
+            <a:off x="4371973" y="4069080"/>
+            <a:ext cx="1323975" cy="638175"/>
+          </a:xfrm>
+          <a:prstGeom prst="rect">
+            <a:avLst/>
+          </a:prstGeom>
+          <a:noFill/>
+        </p:spPr>
+        <p:style>
+          <a:lnRef idx="2">
+            <a:schemeClr val="accent1">
+              <a:shade val="50000"/>
+            </a:schemeClr>
+          </a:lnRef>
+          <a:fillRef idx="1">
+            <a:schemeClr val="accent1"/>
+          </a:fillRef>
+          <a:effectRef idx="0">
+            <a:schemeClr val="accent1"/>
+          </a:effectRef>
+          <a:fontRef idx="minor">
+            <a:schemeClr val="lt1"/>
+          </a:fontRef>
+        </p:style>
+        <p:txBody>
+          <a:bodyPr rtlCol="0" anchor="ctr"/>
+          <a:lstStyle/>
+          <a:p>
+            <a:pPr algn="ctr"/>
+            <a:r>
+              <a:rPr lang="nb-NO" dirty="0">
+                <a:solidFill>
+                  <a:schemeClr val="tx1"/>
+                </a:solidFill>
+              </a:rPr>
+              <a:t>Spm 5</a:t>
+            </a:r>
+          </a:p>
+        </p:txBody>
+      </p:sp>
+      <p:cxnSp>
+        <p:nvCxnSpPr>
+          <p:cNvPr id="7" name="Rett pilkobling 6">
+            <a:extLst>
+              <a:ext uri="{FF2B5EF4-FFF2-40B4-BE49-F238E27FC236}">
+                <a16:creationId xmlns:a16="http://schemas.microsoft.com/office/drawing/2014/main" id="{8A1A01D1-4AC5-9378-2395-8A43B83199B4}"/>
+              </a:ext>
+            </a:extLst>
+          </p:cNvPr>
+          <p:cNvCxnSpPr>
+            <a:stCxn id="2" idx="2"/>
+            <a:endCxn id="3" idx="3"/>
+          </p:cNvCxnSpPr>
+          <p:nvPr/>
+        </p:nvCxnSpPr>
+        <p:spPr>
+          <a:xfrm flipH="1" flipV="1">
+            <a:off x="5695950" y="2071688"/>
+            <a:ext cx="1885949" cy="1219199"/>
+          </a:xfrm>
+          <a:prstGeom prst="straightConnector1">
+            <a:avLst/>
+          </a:prstGeom>
+          <a:ln>
+            <a:tailEnd type="triangle"/>
+          </a:ln>
+        </p:spPr>
+        <p:style>
+          <a:lnRef idx="1">
+            <a:schemeClr val="accent1"/>
+          </a:lnRef>
+          <a:fillRef idx="0">
+            <a:schemeClr val="accent1"/>
+          </a:fillRef>
+          <a:effectRef idx="0">
+            <a:schemeClr val="accent1"/>
+          </a:effectRef>
+          <a:fontRef idx="minor">
+            <a:schemeClr val="tx1"/>
+          </a:fontRef>
+        </p:style>
+      </p:cxnSp>
+      <p:cxnSp>
+        <p:nvCxnSpPr>
+          <p:cNvPr id="9" name="Rett pilkobling 8">
+            <a:extLst>
+              <a:ext uri="{FF2B5EF4-FFF2-40B4-BE49-F238E27FC236}">
+                <a16:creationId xmlns:a16="http://schemas.microsoft.com/office/drawing/2014/main" id="{6EFD7BCC-DD6A-65FF-E638-4B546872E5F8}"/>
+              </a:ext>
+            </a:extLst>
+          </p:cNvPr>
+          <p:cNvCxnSpPr>
+            <a:stCxn id="2" idx="2"/>
+            <a:endCxn id="4" idx="3"/>
+          </p:cNvCxnSpPr>
+          <p:nvPr/>
+        </p:nvCxnSpPr>
+        <p:spPr>
+          <a:xfrm flipH="1" flipV="1">
+            <a:off x="5695947" y="3290886"/>
+            <a:ext cx="1885952" cy="1"/>
+          </a:xfrm>
+          <a:prstGeom prst="straightConnector1">
+            <a:avLst/>
+          </a:prstGeom>
+          <a:ln>
+            <a:tailEnd type="triangle"/>
+          </a:ln>
+        </p:spPr>
+        <p:style>
+          <a:lnRef idx="1">
+            <a:schemeClr val="accent1"/>
+          </a:lnRef>
+          <a:fillRef idx="0">
+            <a:schemeClr val="accent1"/>
+          </a:fillRef>
+          <a:effectRef idx="0">
+            <a:schemeClr val="accent1"/>
+          </a:effectRef>
+          <a:fontRef idx="minor">
+            <a:schemeClr val="tx1"/>
+          </a:fontRef>
+        </p:style>
+      </p:cxnSp>
+      <p:cxnSp>
+        <p:nvCxnSpPr>
+          <p:cNvPr id="11" name="Rett pilkobling 10">
+            <a:extLst>
+              <a:ext uri="{FF2B5EF4-FFF2-40B4-BE49-F238E27FC236}">
+                <a16:creationId xmlns:a16="http://schemas.microsoft.com/office/drawing/2014/main" id="{52AD6FD4-EF1C-8EEE-1343-A49552F16FC1}"/>
+              </a:ext>
+            </a:extLst>
+          </p:cNvPr>
+          <p:cNvCxnSpPr>
+            <a:stCxn id="2" idx="2"/>
+            <a:endCxn id="5" idx="3"/>
+          </p:cNvCxnSpPr>
+          <p:nvPr/>
+        </p:nvCxnSpPr>
+        <p:spPr>
+          <a:xfrm flipH="1">
+            <a:off x="5695948" y="3290887"/>
+            <a:ext cx="1885951" cy="1097281"/>
+          </a:xfrm>
+          <a:prstGeom prst="straightConnector1">
+            <a:avLst/>
+          </a:prstGeom>
+          <a:ln>
+            <a:tailEnd type="triangle"/>
+          </a:ln>
+        </p:spPr>
+        <p:style>
+          <a:lnRef idx="1">
+            <a:schemeClr val="accent1"/>
+          </a:lnRef>
+          <a:fillRef idx="0">
+            <a:schemeClr val="accent1"/>
+          </a:fillRef>
+          <a:effectRef idx="0">
+            <a:schemeClr val="accent1"/>
+          </a:effectRef>
+          <a:fontRef idx="minor">
+            <a:schemeClr val="tx1"/>
+          </a:fontRef>
+        </p:style>
+      </p:cxnSp>
+      <p:sp>
+        <p:nvSpPr>
+          <p:cNvPr id="12" name="TekstSylinder 11">
+            <a:extLst>
+              <a:ext uri="{FF2B5EF4-FFF2-40B4-BE49-F238E27FC236}">
+                <a16:creationId xmlns:a16="http://schemas.microsoft.com/office/drawing/2014/main" id="{428860ED-C1E5-2065-163C-F73C9F92B9A4}"/>
+              </a:ext>
+            </a:extLst>
+          </p:cNvPr>
+          <p:cNvSpPr txBox="1"/>
+          <p:nvPr/>
+        </p:nvSpPr>
+        <p:spPr>
+          <a:xfrm>
+            <a:off x="7173420" y="5019040"/>
+            <a:ext cx="1874231" cy="646331"/>
+          </a:xfrm>
+          <a:prstGeom prst="rect">
+            <a:avLst/>
+          </a:prstGeom>
+          <a:noFill/>
+        </p:spPr>
+        <p:txBody>
+          <a:bodyPr wrap="none" rtlCol="0">
+            <a:spAutoFit/>
+          </a:bodyPr>
+          <a:lstStyle/>
+          <a:p>
+            <a:pPr algn="ctr"/>
+            <a:r>
+              <a:rPr lang="nb-NO" dirty="0"/>
+              <a:t>Uobservert/latent</a:t>
+            </a:r>
+          </a:p>
+          <a:p>
+            <a:pPr algn="ctr"/>
+            <a:r>
+              <a:rPr lang="nb-NO" dirty="0"/>
+              <a:t>faktor</a:t>
+            </a:r>
+          </a:p>
+        </p:txBody>
+      </p:sp>
+      <p:sp>
+        <p:nvSpPr>
+          <p:cNvPr id="13" name="TekstSylinder 12">
+            <a:extLst>
+              <a:ext uri="{FF2B5EF4-FFF2-40B4-BE49-F238E27FC236}">
+                <a16:creationId xmlns:a16="http://schemas.microsoft.com/office/drawing/2014/main" id="{9D32A88B-2F71-9ECE-1034-98BDE6B34072}"/>
+              </a:ext>
+            </a:extLst>
+          </p:cNvPr>
+          <p:cNvSpPr txBox="1"/>
+          <p:nvPr/>
+        </p:nvSpPr>
+        <p:spPr>
+          <a:xfrm>
+            <a:off x="4458812" y="5019040"/>
+            <a:ext cx="1119538" cy="369332"/>
+          </a:xfrm>
+          <a:prstGeom prst="rect">
+            <a:avLst/>
+          </a:prstGeom>
+          <a:noFill/>
+        </p:spPr>
+        <p:txBody>
+          <a:bodyPr wrap="none" rtlCol="0">
+            <a:spAutoFit/>
+          </a:bodyPr>
+          <a:lstStyle/>
+          <a:p>
+            <a:pPr algn="ctr"/>
+            <a:r>
+              <a:rPr lang="nb-NO" dirty="0"/>
+              <a:t>Observert</a:t>
+            </a:r>
+          </a:p>
+        </p:txBody>
+      </p:sp>
+      <p:cxnSp>
+        <p:nvCxnSpPr>
+          <p:cNvPr id="15" name="Rett pilkobling 14">
+            <a:extLst>
+              <a:ext uri="{FF2B5EF4-FFF2-40B4-BE49-F238E27FC236}">
+                <a16:creationId xmlns:a16="http://schemas.microsoft.com/office/drawing/2014/main" id="{C80B020F-769F-F597-66F8-5E49C7618CC7}"/>
+              </a:ext>
+            </a:extLst>
+          </p:cNvPr>
+          <p:cNvCxnSpPr>
+            <a:endCxn id="3" idx="1"/>
+          </p:cNvCxnSpPr>
+          <p:nvPr/>
+        </p:nvCxnSpPr>
+        <p:spPr>
+          <a:xfrm>
+            <a:off x="4043680" y="2071687"/>
+            <a:ext cx="328295" cy="1"/>
+          </a:xfrm>
+          <a:prstGeom prst="straightConnector1">
+            <a:avLst/>
+          </a:prstGeom>
+          <a:ln>
+            <a:tailEnd type="triangle"/>
+          </a:ln>
+        </p:spPr>
+        <p:style>
+          <a:lnRef idx="1">
+            <a:schemeClr val="accent1"/>
+          </a:lnRef>
+          <a:fillRef idx="0">
+            <a:schemeClr val="accent1"/>
+          </a:fillRef>
+          <a:effectRef idx="0">
+            <a:schemeClr val="accent1"/>
+          </a:effectRef>
+          <a:fontRef idx="minor">
+            <a:schemeClr val="tx1"/>
+          </a:fontRef>
+        </p:style>
+      </p:cxnSp>
+      <p:cxnSp>
+        <p:nvCxnSpPr>
+          <p:cNvPr id="16" name="Rett pilkobling 15">
+            <a:extLst>
+              <a:ext uri="{FF2B5EF4-FFF2-40B4-BE49-F238E27FC236}">
+                <a16:creationId xmlns:a16="http://schemas.microsoft.com/office/drawing/2014/main" id="{89E51889-32E8-4B5A-074D-09D95057704E}"/>
+              </a:ext>
+            </a:extLst>
+          </p:cNvPr>
+          <p:cNvCxnSpPr/>
+          <p:nvPr/>
+        </p:nvCxnSpPr>
+        <p:spPr>
+          <a:xfrm>
+            <a:off x="4043680" y="3316445"/>
+            <a:ext cx="328295" cy="1"/>
+          </a:xfrm>
+          <a:prstGeom prst="straightConnector1">
+            <a:avLst/>
+          </a:prstGeom>
+          <a:ln>
+            <a:tailEnd type="triangle"/>
+          </a:ln>
+        </p:spPr>
+        <p:style>
+          <a:lnRef idx="1">
+            <a:schemeClr val="accent1"/>
+          </a:lnRef>
+          <a:fillRef idx="0">
+            <a:schemeClr val="accent1"/>
+          </a:fillRef>
+          <a:effectRef idx="0">
+            <a:schemeClr val="accent1"/>
+          </a:effectRef>
+          <a:fontRef idx="minor">
+            <a:schemeClr val="tx1"/>
+          </a:fontRef>
+        </p:style>
+      </p:cxnSp>
+      <p:cxnSp>
+        <p:nvCxnSpPr>
+          <p:cNvPr id="17" name="Rett pilkobling 16">
+            <a:extLst>
+              <a:ext uri="{FF2B5EF4-FFF2-40B4-BE49-F238E27FC236}">
+                <a16:creationId xmlns:a16="http://schemas.microsoft.com/office/drawing/2014/main" id="{461C8C46-6309-49C4-11A6-E01EE468C477}"/>
+              </a:ext>
+            </a:extLst>
+          </p:cNvPr>
+          <p:cNvCxnSpPr/>
+          <p:nvPr/>
+        </p:nvCxnSpPr>
+        <p:spPr>
+          <a:xfrm>
+            <a:off x="4036689" y="4394358"/>
+            <a:ext cx="328295" cy="1"/>
+          </a:xfrm>
+          <a:prstGeom prst="straightConnector1">
+            <a:avLst/>
+          </a:prstGeom>
+          <a:ln>
+            <a:tailEnd type="triangle"/>
+          </a:ln>
+        </p:spPr>
+        <p:style>
+          <a:lnRef idx="1">
+            <a:schemeClr val="accent1"/>
+          </a:lnRef>
+          <a:fillRef idx="0">
+            <a:schemeClr val="accent1"/>
+          </a:fillRef>
+          <a:effectRef idx="0">
+            <a:schemeClr val="accent1"/>
+          </a:effectRef>
+          <a:fontRef idx="minor">
+            <a:schemeClr val="tx1"/>
+          </a:fontRef>
+        </p:style>
+      </p:cxnSp>
+    </p:spTree>
+    <p:extLst>
+      <p:ext uri="{BB962C8B-B14F-4D97-AF65-F5344CB8AC3E}">
+        <p14:creationId xmlns:p14="http://schemas.microsoft.com/office/powerpoint/2010/main" val="3472280371"/>
+      </p:ext>
+    </p:extLst>
+  </p:cSld>
+  <p:clrMapOvr>
+    <a:masterClrMapping/>
+  </p:clrMapOvr>
+</p:sld>
+</file>
+
+<file path=ppt/slides/slide9.xml><?xml version="1.0" encoding="utf-8"?>
+<p:sld xmlns:a="http://schemas.openxmlformats.org/drawingml/2006/main" xmlns:r="http://schemas.openxmlformats.org/officeDocument/2006/relationships" xmlns:p="http://schemas.openxmlformats.org/presentationml/2006/main">
+  <p:cSld>
+    <p:spTree>
+      <p:nvGrpSpPr>
+        <p:cNvPr id="1" name=""/>
+        <p:cNvGrpSpPr/>
+        <p:nvPr/>
+      </p:nvGrpSpPr>
+      <p:grpSpPr>
+        <a:xfrm>
+          <a:off x="0" y="0"/>
+          <a:ext cx="0" cy="0"/>
+          <a:chOff x="0" y="0"/>
+          <a:chExt cx="0" cy="0"/>
+        </a:xfrm>
+      </p:grpSpPr>
+      <p:sp>
+        <p:nvSpPr>
+          <p:cNvPr id="2" name="Rektangel 1">
+            <a:extLst>
+              <a:ext uri="{FF2B5EF4-FFF2-40B4-BE49-F238E27FC236}">
+                <a16:creationId xmlns:a16="http://schemas.microsoft.com/office/drawing/2014/main" id="{205E5C73-FB16-7912-8451-8097D644E77C}"/>
+              </a:ext>
+            </a:extLst>
+          </p:cNvPr>
+          <p:cNvSpPr/>
+          <p:nvPr/>
+        </p:nvSpPr>
+        <p:spPr>
+          <a:xfrm>
+            <a:off x="1066800" y="1270006"/>
+            <a:ext cx="1076325" cy="2873370"/>
+          </a:xfrm>
+          <a:prstGeom prst="rect">
+            <a:avLst/>
+          </a:prstGeom>
+        </p:spPr>
+        <p:style>
+          <a:lnRef idx="2">
+            <a:schemeClr val="accent1">
+              <a:shade val="50000"/>
+            </a:schemeClr>
+          </a:lnRef>
+          <a:fillRef idx="1">
+            <a:schemeClr val="accent1"/>
+          </a:fillRef>
+          <a:effectRef idx="0">
+            <a:schemeClr val="accent1"/>
+          </a:effectRef>
+          <a:fontRef idx="minor">
+            <a:schemeClr val="lt1"/>
+          </a:fontRef>
+        </p:style>
+        <p:txBody>
+          <a:bodyPr rtlCol="0" anchor="ctr"/>
+          <a:lstStyle/>
+          <a:p>
+            <a:pPr algn="ctr"/>
+            <a:r>
+              <a:rPr lang="nb-NO" dirty="0"/>
+              <a:t>Data</a:t>
+            </a:r>
+          </a:p>
+        </p:txBody>
+      </p:sp>
+      <p:sp>
+        <p:nvSpPr>
+          <p:cNvPr id="3" name="Rektangel 2">
+            <a:extLst>
+              <a:ext uri="{FF2B5EF4-FFF2-40B4-BE49-F238E27FC236}">
+                <a16:creationId xmlns:a16="http://schemas.microsoft.com/office/drawing/2014/main" id="{154F866F-F79A-B12A-C3E3-19443884B77F}"/>
+              </a:ext>
+            </a:extLst>
+          </p:cNvPr>
+          <p:cNvSpPr/>
+          <p:nvPr/>
+        </p:nvSpPr>
+        <p:spPr>
+          <a:xfrm>
+            <a:off x="2933700" y="1270006"/>
+            <a:ext cx="981075" cy="2158994"/>
+          </a:xfrm>
+          <a:prstGeom prst="rect">
+            <a:avLst/>
+          </a:prstGeom>
+          <a:solidFill>
+            <a:schemeClr val="accent6">
+              <a:lumMod val="40000"/>
+              <a:lumOff val="60000"/>
+            </a:schemeClr>
+          </a:solidFill>
+        </p:spPr>
+        <p:style>
+          <a:lnRef idx="2">
+            <a:schemeClr val="accent1">
+              <a:shade val="50000"/>
+            </a:schemeClr>
+          </a:lnRef>
+          <a:fillRef idx="1">
+            <a:schemeClr val="accent1"/>
+          </a:fillRef>
+          <a:effectRef idx="0">
+            <a:schemeClr val="accent1"/>
+          </a:effectRef>
+          <a:fontRef idx="minor">
+            <a:schemeClr val="lt1"/>
+          </a:fontRef>
+        </p:style>
+        <p:txBody>
+          <a:bodyPr rtlCol="0" anchor="ctr"/>
+          <a:lstStyle/>
+          <a:p>
+            <a:pPr algn="ctr"/>
+            <a:r>
+              <a:rPr lang="nb-NO" dirty="0">
+                <a:solidFill>
+                  <a:schemeClr val="tx1"/>
+                </a:solidFill>
+              </a:rPr>
+              <a:t>Trening</a:t>
+            </a:r>
+          </a:p>
+        </p:txBody>
+      </p:sp>
+      <p:sp>
+        <p:nvSpPr>
+          <p:cNvPr id="4" name="Rektangel 3">
+            <a:extLst>
+              <a:ext uri="{FF2B5EF4-FFF2-40B4-BE49-F238E27FC236}">
+                <a16:creationId xmlns:a16="http://schemas.microsoft.com/office/drawing/2014/main" id="{360AA8EA-40EB-546E-0817-FF9C95161C79}"/>
+              </a:ext>
+            </a:extLst>
+          </p:cNvPr>
+          <p:cNvSpPr/>
+          <p:nvPr/>
+        </p:nvSpPr>
+        <p:spPr>
+          <a:xfrm>
+            <a:off x="2933699" y="3638550"/>
+            <a:ext cx="981075" cy="504825"/>
+          </a:xfrm>
+          <a:prstGeom prst="rect">
+            <a:avLst/>
+          </a:prstGeom>
+          <a:solidFill>
+            <a:schemeClr val="accent2">
+              <a:lumMod val="40000"/>
+              <a:lumOff val="60000"/>
+            </a:schemeClr>
+          </a:solidFill>
+        </p:spPr>
+        <p:style>
+          <a:lnRef idx="2">
+            <a:schemeClr val="accent1">
+              <a:shade val="50000"/>
+            </a:schemeClr>
+          </a:lnRef>
+          <a:fillRef idx="1">
+            <a:schemeClr val="accent1"/>
+          </a:fillRef>
+          <a:effectRef idx="0">
+            <a:schemeClr val="accent1"/>
+          </a:effectRef>
+          <a:fontRef idx="minor">
+            <a:schemeClr val="lt1"/>
+          </a:fontRef>
+        </p:style>
+        <p:txBody>
+          <a:bodyPr rtlCol="0" anchor="ctr"/>
+          <a:lstStyle/>
+          <a:p>
+            <a:pPr algn="ctr"/>
+            <a:r>
+              <a:rPr lang="nb-NO" dirty="0">
+                <a:solidFill>
+                  <a:schemeClr val="tx1"/>
+                </a:solidFill>
+              </a:rPr>
+              <a:t>Test</a:t>
+            </a:r>
+          </a:p>
+        </p:txBody>
+      </p:sp>
+      <p:cxnSp>
+        <p:nvCxnSpPr>
+          <p:cNvPr id="6" name="Rett pilkobling 5">
+            <a:extLst>
+              <a:ext uri="{FF2B5EF4-FFF2-40B4-BE49-F238E27FC236}">
+                <a16:creationId xmlns:a16="http://schemas.microsoft.com/office/drawing/2014/main" id="{63A2F937-BD31-38C5-55B4-A3E9B3E9A72F}"/>
+              </a:ext>
+            </a:extLst>
+          </p:cNvPr>
+          <p:cNvCxnSpPr/>
+          <p:nvPr/>
+        </p:nvCxnSpPr>
+        <p:spPr>
+          <a:xfrm>
+            <a:off x="2143125" y="2164080"/>
+            <a:ext cx="790574" cy="0"/>
+          </a:xfrm>
+          <a:prstGeom prst="straightConnector1">
+            <a:avLst/>
+          </a:prstGeom>
+          <a:ln>
+            <a:solidFill>
+              <a:schemeClr val="tx1"/>
+            </a:solidFill>
+            <a:tailEnd type="triangle"/>
+          </a:ln>
+        </p:spPr>
+        <p:style>
+          <a:lnRef idx="1">
+            <a:schemeClr val="accent1"/>
+          </a:lnRef>
+          <a:fillRef idx="0">
+            <a:schemeClr val="accent1"/>
+          </a:fillRef>
+          <a:effectRef idx="0">
+            <a:schemeClr val="accent1"/>
+          </a:effectRef>
+          <a:fontRef idx="minor">
+            <a:schemeClr val="tx1"/>
+          </a:fontRef>
+        </p:style>
+      </p:cxnSp>
+      <p:cxnSp>
+        <p:nvCxnSpPr>
+          <p:cNvPr id="7" name="Rett pilkobling 6">
+            <a:extLst>
+              <a:ext uri="{FF2B5EF4-FFF2-40B4-BE49-F238E27FC236}">
+                <a16:creationId xmlns:a16="http://schemas.microsoft.com/office/drawing/2014/main" id="{6F92DC45-6A1E-C180-7A93-ED14DBD2AD65}"/>
+              </a:ext>
+            </a:extLst>
+          </p:cNvPr>
+          <p:cNvCxnSpPr/>
+          <p:nvPr/>
+        </p:nvCxnSpPr>
+        <p:spPr>
+          <a:xfrm>
+            <a:off x="2143125" y="3911600"/>
+            <a:ext cx="790574" cy="0"/>
+          </a:xfrm>
+          <a:prstGeom prst="straightConnector1">
+            <a:avLst/>
+          </a:prstGeom>
+          <a:ln>
+            <a:solidFill>
+              <a:schemeClr val="tx1"/>
+            </a:solidFill>
+            <a:tailEnd type="triangle"/>
+          </a:ln>
+        </p:spPr>
+        <p:style>
+          <a:lnRef idx="1">
+            <a:schemeClr val="accent1"/>
+          </a:lnRef>
+          <a:fillRef idx="0">
+            <a:schemeClr val="accent1"/>
+          </a:fillRef>
+          <a:effectRef idx="0">
+            <a:schemeClr val="accent1"/>
+          </a:effectRef>
+          <a:fontRef idx="minor">
+            <a:schemeClr val="tx1"/>
+          </a:fontRef>
+        </p:style>
+      </p:cxnSp>
+      <p:sp>
+        <p:nvSpPr>
+          <p:cNvPr id="8" name="TekstSylinder 7">
+            <a:extLst>
+              <a:ext uri="{FF2B5EF4-FFF2-40B4-BE49-F238E27FC236}">
+                <a16:creationId xmlns:a16="http://schemas.microsoft.com/office/drawing/2014/main" id="{4BDD51A8-4089-8E32-875B-C29358827791}"/>
+              </a:ext>
+            </a:extLst>
+          </p:cNvPr>
+          <p:cNvSpPr txBox="1"/>
+          <p:nvPr/>
+        </p:nvSpPr>
+        <p:spPr>
+          <a:xfrm>
+            <a:off x="2246505" y="1794748"/>
+            <a:ext cx="583814" cy="369332"/>
+          </a:xfrm>
+          <a:prstGeom prst="rect">
+            <a:avLst/>
+          </a:prstGeom>
+          <a:noFill/>
+        </p:spPr>
+        <p:txBody>
+          <a:bodyPr wrap="none" rtlCol="0">
+            <a:spAutoFit/>
+          </a:bodyPr>
+          <a:lstStyle/>
+          <a:p>
+            <a:r>
+              <a:rPr lang="nb-NO" dirty="0"/>
+              <a:t>80%</a:t>
+            </a:r>
+          </a:p>
+        </p:txBody>
+      </p:sp>
+      <p:sp>
+        <p:nvSpPr>
+          <p:cNvPr id="9" name="TekstSylinder 8">
+            <a:extLst>
+              <a:ext uri="{FF2B5EF4-FFF2-40B4-BE49-F238E27FC236}">
+                <a16:creationId xmlns:a16="http://schemas.microsoft.com/office/drawing/2014/main" id="{94F4E8AC-206C-1323-4C45-2F3D5901AB46}"/>
+              </a:ext>
+            </a:extLst>
+          </p:cNvPr>
+          <p:cNvSpPr txBox="1"/>
+          <p:nvPr/>
+        </p:nvSpPr>
+        <p:spPr>
+          <a:xfrm>
+            <a:off x="2246505" y="3542267"/>
+            <a:ext cx="583814" cy="369332"/>
+          </a:xfrm>
+          <a:prstGeom prst="rect">
+            <a:avLst/>
+          </a:prstGeom>
+          <a:noFill/>
+        </p:spPr>
+        <p:txBody>
+          <a:bodyPr wrap="none" rtlCol="0">
+            <a:spAutoFit/>
+          </a:bodyPr>
+          <a:lstStyle/>
+          <a:p>
+            <a:r>
+              <a:rPr lang="nb-NO" dirty="0"/>
+              <a:t>20%</a:t>
+            </a:r>
+          </a:p>
+        </p:txBody>
+      </p:sp>
+      <p:sp>
+        <p:nvSpPr>
+          <p:cNvPr id="10" name="Rektangel 9">
+            <a:extLst>
+              <a:ext uri="{FF2B5EF4-FFF2-40B4-BE49-F238E27FC236}">
+                <a16:creationId xmlns:a16="http://schemas.microsoft.com/office/drawing/2014/main" id="{D34FB0CC-1168-3C27-BF9B-CE246EAD0B15}"/>
+              </a:ext>
+            </a:extLst>
+          </p:cNvPr>
+          <p:cNvSpPr/>
+          <p:nvPr/>
+        </p:nvSpPr>
+        <p:spPr>
+          <a:xfrm>
+            <a:off x="4730316" y="1270006"/>
+            <a:ext cx="981075" cy="372348"/>
+          </a:xfrm>
+          <a:prstGeom prst="rect">
+            <a:avLst/>
+          </a:prstGeom>
+          <a:solidFill>
+            <a:schemeClr val="accent4">
+              <a:lumMod val="20000"/>
+              <a:lumOff val="80000"/>
+            </a:schemeClr>
+          </a:solidFill>
+        </p:spPr>
+        <p:style>
+          <a:lnRef idx="2">
+            <a:schemeClr val="accent1">
+              <a:shade val="50000"/>
+            </a:schemeClr>
+          </a:lnRef>
+          <a:fillRef idx="1">
+            <a:schemeClr val="accent1"/>
+          </a:fillRef>
+          <a:effectRef idx="0">
+            <a:schemeClr val="accent1"/>
+          </a:effectRef>
+          <a:fontRef idx="minor">
+            <a:schemeClr val="lt1"/>
+          </a:fontRef>
+        </p:style>
+        <p:txBody>
+          <a:bodyPr rtlCol="0" anchor="ctr"/>
+          <a:lstStyle/>
+          <a:p>
+            <a:pPr algn="ctr"/>
+            <a:r>
+              <a:rPr lang="nb-NO" dirty="0">
+                <a:solidFill>
+                  <a:schemeClr val="tx1"/>
+                </a:solidFill>
+              </a:rPr>
+              <a:t>Utvalg 1</a:t>
+            </a:r>
+          </a:p>
+        </p:txBody>
+      </p:sp>
+      <p:sp>
+        <p:nvSpPr>
+          <p:cNvPr id="11" name="Rektangel 10">
+            <a:extLst>
+              <a:ext uri="{FF2B5EF4-FFF2-40B4-BE49-F238E27FC236}">
+                <a16:creationId xmlns:a16="http://schemas.microsoft.com/office/drawing/2014/main" id="{C6D4A49C-42A6-BCE2-A21D-EB7009C72B9A}"/>
+              </a:ext>
+            </a:extLst>
+          </p:cNvPr>
+          <p:cNvSpPr/>
+          <p:nvPr/>
+        </p:nvSpPr>
+        <p:spPr>
+          <a:xfrm>
+            <a:off x="4730316" y="1864523"/>
+            <a:ext cx="981075" cy="372348"/>
+          </a:xfrm>
+          <a:prstGeom prst="rect">
+            <a:avLst/>
+          </a:prstGeom>
+          <a:solidFill>
+            <a:schemeClr val="accent4">
+              <a:lumMod val="20000"/>
+              <a:lumOff val="80000"/>
+            </a:schemeClr>
+          </a:solidFill>
+        </p:spPr>
+        <p:style>
+          <a:lnRef idx="2">
+            <a:schemeClr val="accent1">
+              <a:shade val="50000"/>
+            </a:schemeClr>
+          </a:lnRef>
+          <a:fillRef idx="1">
+            <a:schemeClr val="accent1"/>
+          </a:fillRef>
+          <a:effectRef idx="0">
+            <a:schemeClr val="accent1"/>
+          </a:effectRef>
+          <a:fontRef idx="minor">
+            <a:schemeClr val="lt1"/>
+          </a:fontRef>
+        </p:style>
+        <p:txBody>
+          <a:bodyPr rtlCol="0" anchor="ctr"/>
+          <a:lstStyle/>
+          <a:p>
+            <a:pPr algn="ctr"/>
+            <a:r>
+              <a:rPr lang="nb-NO" dirty="0">
+                <a:solidFill>
+                  <a:schemeClr val="tx1"/>
+                </a:solidFill>
+              </a:rPr>
+              <a:t>Utvalg 2</a:t>
+            </a:r>
+          </a:p>
+        </p:txBody>
+      </p:sp>
+      <p:sp>
+        <p:nvSpPr>
+          <p:cNvPr id="12" name="Rektangel 11">
+            <a:extLst>
+              <a:ext uri="{FF2B5EF4-FFF2-40B4-BE49-F238E27FC236}">
+                <a16:creationId xmlns:a16="http://schemas.microsoft.com/office/drawing/2014/main" id="{354FB7C8-9BBC-93E5-A54C-1524261C454A}"/>
+              </a:ext>
+            </a:extLst>
+          </p:cNvPr>
+          <p:cNvSpPr/>
+          <p:nvPr/>
+        </p:nvSpPr>
+        <p:spPr>
+          <a:xfrm>
+            <a:off x="4728929" y="2456368"/>
+            <a:ext cx="981075" cy="372348"/>
+          </a:xfrm>
+          <a:prstGeom prst="rect">
+            <a:avLst/>
+          </a:prstGeom>
+          <a:solidFill>
+            <a:schemeClr val="accent4">
+              <a:lumMod val="20000"/>
+              <a:lumOff val="80000"/>
+            </a:schemeClr>
+          </a:solidFill>
+        </p:spPr>
+        <p:style>
+          <a:lnRef idx="2">
+            <a:schemeClr val="accent1">
+              <a:shade val="50000"/>
+            </a:schemeClr>
+          </a:lnRef>
+          <a:fillRef idx="1">
+            <a:schemeClr val="accent1"/>
+          </a:fillRef>
+          <a:effectRef idx="0">
+            <a:schemeClr val="accent1"/>
+          </a:effectRef>
+          <a:fontRef idx="minor">
+            <a:schemeClr val="lt1"/>
+          </a:fontRef>
+        </p:style>
+        <p:txBody>
+          <a:bodyPr rtlCol="0" anchor="ctr"/>
+          <a:lstStyle/>
+          <a:p>
+            <a:pPr algn="ctr"/>
+            <a:r>
+              <a:rPr lang="nb-NO" dirty="0">
+                <a:solidFill>
+                  <a:schemeClr val="tx1"/>
+                </a:solidFill>
+              </a:rPr>
+              <a:t>Utvalg 3</a:t>
+            </a:r>
+          </a:p>
+        </p:txBody>
+      </p:sp>
+      <p:sp>
+        <p:nvSpPr>
+          <p:cNvPr id="13" name="Rektangel 12">
+            <a:extLst>
+              <a:ext uri="{FF2B5EF4-FFF2-40B4-BE49-F238E27FC236}">
+                <a16:creationId xmlns:a16="http://schemas.microsoft.com/office/drawing/2014/main" id="{3F65C256-F8E8-1FFB-5574-CC06A151AFFB}"/>
+              </a:ext>
+            </a:extLst>
+          </p:cNvPr>
+          <p:cNvSpPr/>
+          <p:nvPr/>
+        </p:nvSpPr>
+        <p:spPr>
+          <a:xfrm>
+            <a:off x="4728928" y="3048213"/>
+            <a:ext cx="981075" cy="372348"/>
+          </a:xfrm>
+          <a:prstGeom prst="rect">
+            <a:avLst/>
+          </a:prstGeom>
+          <a:solidFill>
+            <a:schemeClr val="accent4">
+              <a:lumMod val="20000"/>
+              <a:lumOff val="80000"/>
+            </a:schemeClr>
+          </a:solidFill>
+        </p:spPr>
+        <p:style>
+          <a:lnRef idx="2">
+            <a:schemeClr val="accent1">
+              <a:shade val="50000"/>
+            </a:schemeClr>
+          </a:lnRef>
+          <a:fillRef idx="1">
+            <a:schemeClr val="accent1"/>
+          </a:fillRef>
+          <a:effectRef idx="0">
+            <a:schemeClr val="accent1"/>
+          </a:effectRef>
+          <a:fontRef idx="minor">
+            <a:schemeClr val="lt1"/>
+          </a:fontRef>
+        </p:style>
+        <p:txBody>
+          <a:bodyPr rtlCol="0" anchor="ctr"/>
+          <a:lstStyle/>
+          <a:p>
+            <a:pPr algn="ctr"/>
+            <a:r>
+              <a:rPr lang="nb-NO" dirty="0">
+                <a:solidFill>
+                  <a:schemeClr val="tx1"/>
+                </a:solidFill>
+              </a:rPr>
+              <a:t>Validere</a:t>
+            </a:r>
+          </a:p>
+        </p:txBody>
+      </p:sp>
+      <p:sp>
+        <p:nvSpPr>
+          <p:cNvPr id="14" name="Høyre klammeparentes 13">
+            <a:extLst>
+              <a:ext uri="{FF2B5EF4-FFF2-40B4-BE49-F238E27FC236}">
+                <a16:creationId xmlns:a16="http://schemas.microsoft.com/office/drawing/2014/main" id="{F9B75BEE-9EFD-144E-CCC8-86A080C594CB}"/>
+              </a:ext>
+            </a:extLst>
+          </p:cNvPr>
+          <p:cNvSpPr/>
+          <p:nvPr/>
+        </p:nvSpPr>
+        <p:spPr>
+          <a:xfrm>
+            <a:off x="4010024" y="1270006"/>
+            <a:ext cx="175896" cy="2158994"/>
+          </a:xfrm>
+          <a:prstGeom prst="rightBrace">
+            <a:avLst/>
+          </a:prstGeom>
+          <a:ln>
+            <a:solidFill>
+              <a:schemeClr val="tx1"/>
+            </a:solidFill>
+          </a:ln>
+        </p:spPr>
+        <p:style>
+          <a:lnRef idx="1">
+            <a:schemeClr val="accent1"/>
+          </a:lnRef>
+          <a:fillRef idx="0">
+            <a:schemeClr val="accent1"/>
+          </a:fillRef>
+          <a:effectRef idx="0">
+            <a:schemeClr val="accent1"/>
+          </a:effectRef>
+          <a:fontRef idx="minor">
+            <a:schemeClr val="tx1"/>
+          </a:fontRef>
+        </p:style>
+        <p:txBody>
+          <a:bodyPr rtlCol="0" anchor="ctr"/>
+          <a:lstStyle/>
+          <a:p>
+            <a:pPr algn="ctr"/>
+            <a:endParaRPr lang="nb-NO"/>
+          </a:p>
+        </p:txBody>
+      </p:sp>
+      <p:sp>
+        <p:nvSpPr>
+          <p:cNvPr id="15" name="TekstSylinder 14">
+            <a:extLst>
+              <a:ext uri="{FF2B5EF4-FFF2-40B4-BE49-F238E27FC236}">
+                <a16:creationId xmlns:a16="http://schemas.microsoft.com/office/drawing/2014/main" id="{F2A643C3-5437-40DE-C8EB-185AF3D3A900}"/>
+              </a:ext>
+            </a:extLst>
+          </p:cNvPr>
+          <p:cNvSpPr txBox="1"/>
+          <p:nvPr/>
+        </p:nvSpPr>
+        <p:spPr>
+          <a:xfrm>
+            <a:off x="4170898" y="1467445"/>
+            <a:ext cx="381836" cy="1754326"/>
+          </a:xfrm>
+          <a:prstGeom prst="rect">
+            <a:avLst/>
+          </a:prstGeom>
+          <a:noFill/>
+        </p:spPr>
+        <p:txBody>
+          <a:bodyPr wrap="none" rtlCol="0">
+            <a:spAutoFit/>
+          </a:bodyPr>
+          <a:lstStyle/>
+          <a:p>
+            <a:r>
+              <a:rPr lang="nb-NO" dirty="0"/>
+              <a:t>R</a:t>
+            </a:r>
+          </a:p>
+          <a:p>
+            <a:r>
+              <a:rPr lang="nb-NO" dirty="0"/>
+              <a:t>A</a:t>
+            </a:r>
+          </a:p>
+          <a:p>
+            <a:r>
+              <a:rPr lang="nb-NO" dirty="0"/>
+              <a:t>N</a:t>
+            </a:r>
+          </a:p>
+          <a:p>
+            <a:r>
+              <a:rPr lang="nb-NO" dirty="0"/>
+              <a:t>D</a:t>
+            </a:r>
+          </a:p>
+          <a:p>
+            <a:r>
+              <a:rPr lang="nb-NO" dirty="0"/>
+              <a:t>O</a:t>
+            </a:r>
+          </a:p>
+          <a:p>
+            <a:r>
+              <a:rPr lang="nb-NO" dirty="0"/>
+              <a:t>M</a:t>
+            </a:r>
+          </a:p>
+        </p:txBody>
+      </p:sp>
+      <p:sp>
+        <p:nvSpPr>
+          <p:cNvPr id="17" name="Rektangel 16">
+            <a:extLst>
+              <a:ext uri="{FF2B5EF4-FFF2-40B4-BE49-F238E27FC236}">
+                <a16:creationId xmlns:a16="http://schemas.microsoft.com/office/drawing/2014/main" id="{E723FD64-8963-D6A1-7D44-25A053343BBD}"/>
+              </a:ext>
+            </a:extLst>
+          </p:cNvPr>
+          <p:cNvSpPr/>
+          <p:nvPr/>
+        </p:nvSpPr>
+        <p:spPr>
+          <a:xfrm>
+            <a:off x="6431282" y="1794748"/>
+            <a:ext cx="1076324" cy="1123629"/>
+          </a:xfrm>
+          <a:prstGeom prst="rect">
+            <a:avLst/>
+          </a:prstGeom>
+          <a:solidFill>
+            <a:schemeClr val="bg2">
+              <a:lumMod val="90000"/>
+            </a:schemeClr>
+          </a:solidFill>
+        </p:spPr>
+        <p:style>
+          <a:lnRef idx="2">
+            <a:schemeClr val="accent1">
+              <a:shade val="50000"/>
+            </a:schemeClr>
+          </a:lnRef>
+          <a:fillRef idx="1">
+            <a:schemeClr val="accent1"/>
+          </a:fillRef>
+          <a:effectRef idx="0">
+            <a:schemeClr val="accent1"/>
+          </a:effectRef>
+          <a:fontRef idx="minor">
+            <a:schemeClr val="lt1"/>
+          </a:fontRef>
+        </p:style>
+        <p:txBody>
+          <a:bodyPr rtlCol="0" anchor="ctr"/>
+          <a:lstStyle/>
+          <a:p>
+            <a:pPr algn="ctr"/>
+            <a:r>
+              <a:rPr lang="nb-NO" dirty="0">
+                <a:solidFill>
+                  <a:schemeClr val="tx1"/>
+                </a:solidFill>
+              </a:rPr>
+              <a:t>Bygge modell og trene</a:t>
+            </a:r>
+          </a:p>
+        </p:txBody>
+      </p:sp>
+      <p:sp>
+        <p:nvSpPr>
+          <p:cNvPr id="24" name="Høyre klammeparentes 23">
+            <a:extLst>
+              <a:ext uri="{FF2B5EF4-FFF2-40B4-BE49-F238E27FC236}">
+                <a16:creationId xmlns:a16="http://schemas.microsoft.com/office/drawing/2014/main" id="{5B2EA20E-3F88-5C6D-397D-753506133640}"/>
+              </a:ext>
+            </a:extLst>
+          </p:cNvPr>
+          <p:cNvSpPr/>
+          <p:nvPr/>
+        </p:nvSpPr>
+        <p:spPr>
+          <a:xfrm rot="10800000">
+            <a:off x="4461507" y="1277065"/>
+            <a:ext cx="175896" cy="2158994"/>
+          </a:xfrm>
+          <a:prstGeom prst="rightBrace">
+            <a:avLst/>
+          </a:prstGeom>
+          <a:ln>
+            <a:solidFill>
+              <a:schemeClr val="tx1"/>
+            </a:solidFill>
+          </a:ln>
+        </p:spPr>
+        <p:style>
+          <a:lnRef idx="1">
+            <a:schemeClr val="accent1"/>
+          </a:lnRef>
+          <a:fillRef idx="0">
+            <a:schemeClr val="accent1"/>
+          </a:fillRef>
+          <a:effectRef idx="0">
+            <a:schemeClr val="accent1"/>
+          </a:effectRef>
+          <a:fontRef idx="minor">
+            <a:schemeClr val="tx1"/>
+          </a:fontRef>
+        </p:style>
+        <p:txBody>
+          <a:bodyPr rtlCol="0" anchor="ctr"/>
+          <a:lstStyle/>
+          <a:p>
+            <a:pPr algn="ctr"/>
+            <a:endParaRPr lang="nb-NO"/>
+          </a:p>
+        </p:txBody>
+      </p:sp>
+      <p:cxnSp>
+        <p:nvCxnSpPr>
+          <p:cNvPr id="19" name="Rett pilkobling 18">
+            <a:extLst>
+              <a:ext uri="{FF2B5EF4-FFF2-40B4-BE49-F238E27FC236}">
+                <a16:creationId xmlns:a16="http://schemas.microsoft.com/office/drawing/2014/main" id="{B4557372-D6F1-3DBE-CBF3-4C19F7633EAE}"/>
+              </a:ext>
+            </a:extLst>
+          </p:cNvPr>
+          <p:cNvCxnSpPr>
+            <a:cxnSpLocks/>
+            <a:stCxn id="10" idx="3"/>
+          </p:cNvCxnSpPr>
+          <p:nvPr/>
+        </p:nvCxnSpPr>
+        <p:spPr>
+          <a:xfrm>
+            <a:off x="5711391" y="1456180"/>
+            <a:ext cx="719891" cy="594517"/>
+          </a:xfrm>
+          <a:prstGeom prst="straightConnector1">
+            <a:avLst/>
+          </a:prstGeom>
+          <a:ln>
+            <a:solidFill>
+              <a:schemeClr val="tx1"/>
+            </a:solidFill>
+            <a:tailEnd type="triangle"/>
+          </a:ln>
+        </p:spPr>
+        <p:style>
+          <a:lnRef idx="1">
+            <a:schemeClr val="accent1"/>
+          </a:lnRef>
+          <a:fillRef idx="0">
+            <a:schemeClr val="accent1"/>
+          </a:fillRef>
+          <a:effectRef idx="0">
+            <a:schemeClr val="accent1"/>
+          </a:effectRef>
+          <a:fontRef idx="minor">
+            <a:schemeClr val="tx1"/>
+          </a:fontRef>
+        </p:style>
+      </p:cxnSp>
+      <p:cxnSp>
+        <p:nvCxnSpPr>
+          <p:cNvPr id="22" name="Rett pilkobling 21">
+            <a:extLst>
+              <a:ext uri="{FF2B5EF4-FFF2-40B4-BE49-F238E27FC236}">
+                <a16:creationId xmlns:a16="http://schemas.microsoft.com/office/drawing/2014/main" id="{1EF7E0D1-5FC6-B79C-E208-01D0190805BC}"/>
+              </a:ext>
+            </a:extLst>
+          </p:cNvPr>
+          <p:cNvCxnSpPr>
+            <a:cxnSpLocks/>
+            <a:stCxn id="11" idx="3"/>
+          </p:cNvCxnSpPr>
+          <p:nvPr/>
+        </p:nvCxnSpPr>
+        <p:spPr>
+          <a:xfrm>
+            <a:off x="5711391" y="2050697"/>
+            <a:ext cx="719891" cy="186174"/>
+          </a:xfrm>
+          <a:prstGeom prst="straightConnector1">
+            <a:avLst/>
+          </a:prstGeom>
+          <a:ln>
+            <a:solidFill>
+              <a:schemeClr val="tx1"/>
+            </a:solidFill>
+            <a:tailEnd type="triangle"/>
+          </a:ln>
+        </p:spPr>
+        <p:style>
+          <a:lnRef idx="1">
+            <a:schemeClr val="accent1"/>
+          </a:lnRef>
+          <a:fillRef idx="0">
+            <a:schemeClr val="accent1"/>
+          </a:fillRef>
+          <a:effectRef idx="0">
+            <a:schemeClr val="accent1"/>
+          </a:effectRef>
+          <a:fontRef idx="minor">
+            <a:schemeClr val="tx1"/>
+          </a:fontRef>
+        </p:style>
+      </p:cxnSp>
+      <p:cxnSp>
+        <p:nvCxnSpPr>
+          <p:cNvPr id="26" name="Rett pilkobling 25">
+            <a:extLst>
+              <a:ext uri="{FF2B5EF4-FFF2-40B4-BE49-F238E27FC236}">
+                <a16:creationId xmlns:a16="http://schemas.microsoft.com/office/drawing/2014/main" id="{384179D8-D2A9-A2A4-D573-0A1497AB1756}"/>
+              </a:ext>
+            </a:extLst>
+          </p:cNvPr>
+          <p:cNvCxnSpPr>
+            <a:stCxn id="12" idx="3"/>
+            <a:endCxn id="17" idx="1"/>
+          </p:cNvCxnSpPr>
+          <p:nvPr/>
+        </p:nvCxnSpPr>
+        <p:spPr>
+          <a:xfrm flipV="1">
+            <a:off x="5710004" y="2356563"/>
+            <a:ext cx="721278" cy="285979"/>
+          </a:xfrm>
+          <a:prstGeom prst="straightConnector1">
+            <a:avLst/>
+          </a:prstGeom>
+          <a:ln>
+            <a:solidFill>
+              <a:schemeClr val="tx1"/>
+            </a:solidFill>
+            <a:tailEnd type="triangle"/>
+          </a:ln>
+        </p:spPr>
+        <p:style>
+          <a:lnRef idx="1">
+            <a:schemeClr val="accent1"/>
+          </a:lnRef>
+          <a:fillRef idx="0">
+            <a:schemeClr val="accent1"/>
+          </a:fillRef>
+          <a:effectRef idx="0">
+            <a:schemeClr val="accent1"/>
+          </a:effectRef>
+          <a:fontRef idx="minor">
+            <a:schemeClr val="tx1"/>
+          </a:fontRef>
+        </p:style>
+      </p:cxnSp>
+      <p:cxnSp>
+        <p:nvCxnSpPr>
+          <p:cNvPr id="28" name="Rett pilkobling 27">
+            <a:extLst>
+              <a:ext uri="{FF2B5EF4-FFF2-40B4-BE49-F238E27FC236}">
+                <a16:creationId xmlns:a16="http://schemas.microsoft.com/office/drawing/2014/main" id="{9F7A29FB-7F42-687C-DCD7-27899F3BA06E}"/>
+              </a:ext>
+            </a:extLst>
+          </p:cNvPr>
+          <p:cNvCxnSpPr>
+            <a:cxnSpLocks/>
+            <a:endCxn id="13" idx="3"/>
+          </p:cNvCxnSpPr>
+          <p:nvPr/>
+        </p:nvCxnSpPr>
+        <p:spPr>
+          <a:xfrm flipH="1">
+            <a:off x="5710003" y="2642542"/>
+            <a:ext cx="721279" cy="591845"/>
+          </a:xfrm>
+          <a:prstGeom prst="straightConnector1">
+            <a:avLst/>
+          </a:prstGeom>
+          <a:ln>
+            <a:solidFill>
+              <a:schemeClr val="tx1"/>
+            </a:solidFill>
+            <a:tailEnd type="triangle"/>
+          </a:ln>
+        </p:spPr>
+        <p:style>
+          <a:lnRef idx="1">
+            <a:schemeClr val="accent1"/>
+          </a:lnRef>
+          <a:fillRef idx="0">
+            <a:schemeClr val="accent1"/>
+          </a:fillRef>
+          <a:effectRef idx="0">
+            <a:schemeClr val="accent1"/>
+          </a:effectRef>
+          <a:fontRef idx="minor">
+            <a:schemeClr val="tx1"/>
+          </a:fontRef>
+        </p:style>
+      </p:cxnSp>
+      <p:sp>
+        <p:nvSpPr>
+          <p:cNvPr id="32" name="TekstSylinder 31">
+            <a:extLst>
+              <a:ext uri="{FF2B5EF4-FFF2-40B4-BE49-F238E27FC236}">
+                <a16:creationId xmlns:a16="http://schemas.microsoft.com/office/drawing/2014/main" id="{4861F255-D738-9216-6304-7F5F8A0B6C4A}"/>
+              </a:ext>
+            </a:extLst>
+          </p:cNvPr>
+          <p:cNvSpPr txBox="1"/>
+          <p:nvPr/>
+        </p:nvSpPr>
+        <p:spPr>
+          <a:xfrm>
+            <a:off x="2371636" y="2167477"/>
+            <a:ext cx="338554" cy="1384995"/>
+          </a:xfrm>
+          <a:prstGeom prst="rect">
+            <a:avLst/>
+          </a:prstGeom>
+          <a:noFill/>
+        </p:spPr>
+        <p:txBody>
+          <a:bodyPr wrap="none" rtlCol="0">
+            <a:spAutoFit/>
+          </a:bodyPr>
+          <a:lstStyle/>
+          <a:p>
+            <a:r>
+              <a:rPr lang="nb-NO" sz="1400" dirty="0"/>
+              <a:t>R</a:t>
+            </a:r>
+          </a:p>
+          <a:p>
+            <a:r>
+              <a:rPr lang="nb-NO" sz="1400" dirty="0"/>
+              <a:t>A</a:t>
+            </a:r>
+          </a:p>
+          <a:p>
+            <a:r>
+              <a:rPr lang="nb-NO" sz="1400" dirty="0"/>
+              <a:t>N</a:t>
+            </a:r>
+          </a:p>
+          <a:p>
+            <a:r>
+              <a:rPr lang="nb-NO" sz="1400" dirty="0"/>
+              <a:t>D</a:t>
+            </a:r>
+          </a:p>
+          <a:p>
+            <a:r>
+              <a:rPr lang="nb-NO" sz="1400" dirty="0"/>
+              <a:t>O</a:t>
+            </a:r>
+          </a:p>
+          <a:p>
+            <a:r>
+              <a:rPr lang="nb-NO" sz="1400" dirty="0"/>
+              <a:t>M</a:t>
+            </a:r>
+          </a:p>
+        </p:txBody>
+      </p:sp>
+      <p:sp>
+        <p:nvSpPr>
+          <p:cNvPr id="33" name="TekstSylinder 32">
+            <a:extLst>
+              <a:ext uri="{FF2B5EF4-FFF2-40B4-BE49-F238E27FC236}">
+                <a16:creationId xmlns:a16="http://schemas.microsoft.com/office/drawing/2014/main" id="{F8867842-835C-097C-253C-CF57DB4FAECB}"/>
+              </a:ext>
+            </a:extLst>
+          </p:cNvPr>
+          <p:cNvSpPr txBox="1"/>
+          <p:nvPr/>
+        </p:nvSpPr>
+        <p:spPr>
+          <a:xfrm>
+            <a:off x="4795603" y="714500"/>
+            <a:ext cx="914400" cy="369332"/>
+          </a:xfrm>
+          <a:prstGeom prst="rect">
+            <a:avLst/>
+          </a:prstGeom>
+          <a:noFill/>
+        </p:spPr>
+        <p:txBody>
+          <a:bodyPr wrap="square" rtlCol="0">
+            <a:spAutoFit/>
+          </a:bodyPr>
+          <a:lstStyle/>
+          <a:p>
+            <a:r>
+              <a:rPr lang="nb-NO" dirty="0"/>
+              <a:t>Fold 1</a:t>
+            </a:r>
+          </a:p>
+        </p:txBody>
+      </p:sp>
+    </p:spTree>
+    <p:extLst>
+      <p:ext uri="{BB962C8B-B14F-4D97-AF65-F5344CB8AC3E}">
+        <p14:creationId xmlns:p14="http://schemas.microsoft.com/office/powerpoint/2010/main" val="3535414818"/>
       </p:ext>
     </p:extLst>
   </p:cSld>
